--- a/RWorkshopBonus-MapsAndSpatialAnalysis.pptx
+++ b/RWorkshopBonus-MapsAndSpatialAnalysis.pptx
@@ -5,50 +5,49 @@
     <p:sldMasterId id="2147483648" r:id="rId1"/>
   </p:sldMasterIdLst>
   <p:notesMasterIdLst>
-    <p:notesMasterId r:id="rId43"/>
+    <p:notesMasterId r:id="rId42"/>
   </p:notesMasterIdLst>
   <p:sldIdLst>
     <p:sldId id="256" r:id="rId2"/>
-    <p:sldId id="321" r:id="rId3"/>
-    <p:sldId id="305" r:id="rId4"/>
-    <p:sldId id="322" r:id="rId5"/>
-    <p:sldId id="320" r:id="rId6"/>
-    <p:sldId id="323" r:id="rId7"/>
-    <p:sldId id="283" r:id="rId8"/>
-    <p:sldId id="286" r:id="rId9"/>
-    <p:sldId id="284" r:id="rId10"/>
-    <p:sldId id="281" r:id="rId11"/>
-    <p:sldId id="282" r:id="rId12"/>
-    <p:sldId id="257" r:id="rId13"/>
-    <p:sldId id="258" r:id="rId14"/>
-    <p:sldId id="290" r:id="rId15"/>
-    <p:sldId id="291" r:id="rId16"/>
-    <p:sldId id="287" r:id="rId17"/>
-    <p:sldId id="288" r:id="rId18"/>
-    <p:sldId id="289" r:id="rId19"/>
-    <p:sldId id="292" r:id="rId20"/>
-    <p:sldId id="302" r:id="rId21"/>
-    <p:sldId id="293" r:id="rId22"/>
-    <p:sldId id="294" r:id="rId23"/>
-    <p:sldId id="295" r:id="rId24"/>
-    <p:sldId id="319" r:id="rId25"/>
-    <p:sldId id="297" r:id="rId26"/>
-    <p:sldId id="303" r:id="rId27"/>
-    <p:sldId id="296" r:id="rId28"/>
-    <p:sldId id="299" r:id="rId29"/>
-    <p:sldId id="300" r:id="rId30"/>
-    <p:sldId id="301" r:id="rId31"/>
-    <p:sldId id="309" r:id="rId32"/>
-    <p:sldId id="310" r:id="rId33"/>
-    <p:sldId id="307" r:id="rId34"/>
-    <p:sldId id="324" r:id="rId35"/>
-    <p:sldId id="308" r:id="rId36"/>
-    <p:sldId id="311" r:id="rId37"/>
-    <p:sldId id="312" r:id="rId38"/>
-    <p:sldId id="313" r:id="rId39"/>
-    <p:sldId id="316" r:id="rId40"/>
-    <p:sldId id="314" r:id="rId41"/>
-    <p:sldId id="315" r:id="rId42"/>
+    <p:sldId id="305" r:id="rId3"/>
+    <p:sldId id="322" r:id="rId4"/>
+    <p:sldId id="320" r:id="rId5"/>
+    <p:sldId id="323" r:id="rId6"/>
+    <p:sldId id="283" r:id="rId7"/>
+    <p:sldId id="286" r:id="rId8"/>
+    <p:sldId id="284" r:id="rId9"/>
+    <p:sldId id="281" r:id="rId10"/>
+    <p:sldId id="282" r:id="rId11"/>
+    <p:sldId id="257" r:id="rId12"/>
+    <p:sldId id="258" r:id="rId13"/>
+    <p:sldId id="290" r:id="rId14"/>
+    <p:sldId id="291" r:id="rId15"/>
+    <p:sldId id="287" r:id="rId16"/>
+    <p:sldId id="288" r:id="rId17"/>
+    <p:sldId id="289" r:id="rId18"/>
+    <p:sldId id="292" r:id="rId19"/>
+    <p:sldId id="302" r:id="rId20"/>
+    <p:sldId id="293" r:id="rId21"/>
+    <p:sldId id="294" r:id="rId22"/>
+    <p:sldId id="295" r:id="rId23"/>
+    <p:sldId id="319" r:id="rId24"/>
+    <p:sldId id="297" r:id="rId25"/>
+    <p:sldId id="303" r:id="rId26"/>
+    <p:sldId id="296" r:id="rId27"/>
+    <p:sldId id="299" r:id="rId28"/>
+    <p:sldId id="300" r:id="rId29"/>
+    <p:sldId id="301" r:id="rId30"/>
+    <p:sldId id="309" r:id="rId31"/>
+    <p:sldId id="310" r:id="rId32"/>
+    <p:sldId id="307" r:id="rId33"/>
+    <p:sldId id="324" r:id="rId34"/>
+    <p:sldId id="308" r:id="rId35"/>
+    <p:sldId id="311" r:id="rId36"/>
+    <p:sldId id="312" r:id="rId37"/>
+    <p:sldId id="313" r:id="rId38"/>
+    <p:sldId id="316" r:id="rId39"/>
+    <p:sldId id="314" r:id="rId40"/>
+    <p:sldId id="315" r:id="rId41"/>
   </p:sldIdLst>
   <p:sldSz cx="9144000" cy="6858000" type="screen4x3"/>
   <p:notesSz cx="6858000" cy="9144000"/>
@@ -153,7 +152,6 @@
         <p14:section name="Default Section" id="{B5F49ACA-DFD4-454D-93C0-96F8D084B8C4}">
           <p14:sldIdLst>
             <p14:sldId id="256"/>
-            <p14:sldId id="321"/>
             <p14:sldId id="305"/>
             <p14:sldId id="322"/>
             <p14:sldId id="320"/>
@@ -283,7 +281,7 @@
           <a:p>
             <a:fld id="{5952F3A4-5068-400C-A685-C15B203D2248}" type="datetimeFigureOut">
               <a:rPr lang="en-US" smtClean="0"/>
-              <a:t>6/19/2017</a:t>
+              <a:t>6/15/18</a:t>
             </a:fld>
             <a:endParaRPr lang="en-US"/>
           </a:p>
@@ -624,7 +622,7 @@
           <a:p>
             <a:fld id="{72D80ADD-603D-499C-99D1-58ED0459270B}" type="slidenum">
               <a:rPr lang="en-US" smtClean="0"/>
-              <a:t>12</a:t>
+              <a:t>11</a:t>
             </a:fld>
             <a:endParaRPr lang="en-US"/>
           </a:p>
@@ -825,7 +823,7 @@
             <a:fld id="{4CB8DA3B-3FA7-45B2-858A-A1FA8621FB20}" type="datetimeFigureOut">
               <a:rPr lang="en-US" smtClean="0"/>
               <a:pPr/>
-              <a:t>6/19/2017</a:t>
+              <a:t>6/15/18</a:t>
             </a:fld>
             <a:endParaRPr lang="en-US"/>
           </a:p>
@@ -997,7 +995,7 @@
             <a:fld id="{4CB8DA3B-3FA7-45B2-858A-A1FA8621FB20}" type="datetimeFigureOut">
               <a:rPr lang="en-US" smtClean="0"/>
               <a:pPr/>
-              <a:t>6/19/2017</a:t>
+              <a:t>6/15/18</a:t>
             </a:fld>
             <a:endParaRPr lang="en-US"/>
           </a:p>
@@ -1179,7 +1177,7 @@
             <a:fld id="{4CB8DA3B-3FA7-45B2-858A-A1FA8621FB20}" type="datetimeFigureOut">
               <a:rPr lang="en-US" smtClean="0"/>
               <a:pPr/>
-              <a:t>6/19/2017</a:t>
+              <a:t>6/15/18</a:t>
             </a:fld>
             <a:endParaRPr lang="en-US"/>
           </a:p>
@@ -1351,7 +1349,7 @@
             <a:fld id="{4CB8DA3B-3FA7-45B2-858A-A1FA8621FB20}" type="datetimeFigureOut">
               <a:rPr lang="en-US" smtClean="0"/>
               <a:pPr/>
-              <a:t>6/19/2017</a:t>
+              <a:t>6/15/18</a:t>
             </a:fld>
             <a:endParaRPr lang="en-US"/>
           </a:p>
@@ -1599,7 +1597,7 @@
             <a:fld id="{4CB8DA3B-3FA7-45B2-858A-A1FA8621FB20}" type="datetimeFigureOut">
               <a:rPr lang="en-US" smtClean="0"/>
               <a:pPr/>
-              <a:t>6/19/2017</a:t>
+              <a:t>6/15/18</a:t>
             </a:fld>
             <a:endParaRPr lang="en-US"/>
           </a:p>
@@ -1889,7 +1887,7 @@
             <a:fld id="{4CB8DA3B-3FA7-45B2-858A-A1FA8621FB20}" type="datetimeFigureOut">
               <a:rPr lang="en-US" smtClean="0"/>
               <a:pPr/>
-              <a:t>6/19/2017</a:t>
+              <a:t>6/15/18</a:t>
             </a:fld>
             <a:endParaRPr lang="en-US"/>
           </a:p>
@@ -2313,7 +2311,7 @@
             <a:fld id="{4CB8DA3B-3FA7-45B2-858A-A1FA8621FB20}" type="datetimeFigureOut">
               <a:rPr lang="en-US" smtClean="0"/>
               <a:pPr/>
-              <a:t>6/19/2017</a:t>
+              <a:t>6/15/18</a:t>
             </a:fld>
             <a:endParaRPr lang="en-US"/>
           </a:p>
@@ -2433,7 +2431,7 @@
             <a:fld id="{4CB8DA3B-3FA7-45B2-858A-A1FA8621FB20}" type="datetimeFigureOut">
               <a:rPr lang="en-US" smtClean="0"/>
               <a:pPr/>
-              <a:t>6/19/2017</a:t>
+              <a:t>6/15/18</a:t>
             </a:fld>
             <a:endParaRPr lang="en-US"/>
           </a:p>
@@ -2530,7 +2528,7 @@
             <a:fld id="{4CB8DA3B-3FA7-45B2-858A-A1FA8621FB20}" type="datetimeFigureOut">
               <a:rPr lang="en-US" smtClean="0"/>
               <a:pPr/>
-              <a:t>6/19/2017</a:t>
+              <a:t>6/15/18</a:t>
             </a:fld>
             <a:endParaRPr lang="en-US"/>
           </a:p>
@@ -2809,7 +2807,7 @@
             <a:fld id="{4CB8DA3B-3FA7-45B2-858A-A1FA8621FB20}" type="datetimeFigureOut">
               <a:rPr lang="en-US" smtClean="0"/>
               <a:pPr/>
-              <a:t>6/19/2017</a:t>
+              <a:t>6/15/18</a:t>
             </a:fld>
             <a:endParaRPr lang="en-US"/>
           </a:p>
@@ -3064,7 +3062,7 @@
             <a:fld id="{4CB8DA3B-3FA7-45B2-858A-A1FA8621FB20}" type="datetimeFigureOut">
               <a:rPr lang="en-US" smtClean="0"/>
               <a:pPr/>
-              <a:t>6/19/2017</a:t>
+              <a:t>6/15/18</a:t>
             </a:fld>
             <a:endParaRPr lang="en-US"/>
           </a:p>
@@ -3279,7 +3277,7 @@
             <a:fld id="{4CB8DA3B-3FA7-45B2-858A-A1FA8621FB20}" type="datetimeFigureOut">
               <a:rPr lang="en-US" smtClean="0"/>
               <a:pPr/>
-              <a:t>6/19/2017</a:t>
+              <a:t>6/15/18</a:t>
             </a:fld>
             <a:endParaRPr lang="en-US"/>
           </a:p>
@@ -3709,22 +3707,26 @@
         </p:nvSpPr>
         <p:spPr/>
         <p:txBody>
-          <a:bodyPr/>
+          <a:bodyPr>
+            <a:normAutofit fontScale="92500" lnSpcReduction="20000"/>
+          </a:bodyPr>
           <a:lstStyle/>
           <a:p>
             <a:r>
               <a:rPr lang="en-US" dirty="0"/>
-              <a:t>Spring 2015</a:t>
+              <a:t>Steve Mooney</a:t>
             </a:r>
           </a:p>
           <a:p>
             <a:r>
               <a:rPr lang="en-US" dirty="0"/>
-              <a:t>Session </a:t>
-            </a:r>
-            <a:r>
-              <a:rPr lang="en-US" dirty="0" smtClean="0"/>
-              <a:t>9</a:t>
+              <a:t>Harborview Injury Prevention &amp; Research Center</a:t>
+            </a:r>
+          </a:p>
+          <a:p>
+            <a:r>
+              <a:rPr lang="en-US" dirty="0"/>
+              <a:t>SER 2018</a:t>
             </a:r>
             <a:endParaRPr lang="en-US" dirty="0"/>
           </a:p>
@@ -3795,14 +3797,14 @@
             <a:noFill/>
           </a:ln>
           <a:extLst>
-            <a:ext uri="{909E8E84-426E-40DD-AFC4-6F175D3DCCD1}">
+            <a:ext uri="{909E8E84-426E-40dd-AFC4-6F175D3DCCD1}">
               <a14:hiddenFill xmlns:a14="http://schemas.microsoft.com/office/drawing/2010/main">
                 <a:solidFill>
                   <a:schemeClr val="accent1"/>
                 </a:solidFill>
               </a14:hiddenFill>
             </a:ext>
-            <a:ext uri="{91240B29-F687-4F45-9708-019B960494DF}">
+            <a:ext uri="{91240B29-F687-4f45-9708-019B960494DF}">
               <a14:hiddenLine xmlns:a14="http://schemas.microsoft.com/office/drawing/2010/main" w="9525">
                 <a:solidFill>
                   <a:schemeClr val="tx1"/>
@@ -3828,7 +3830,7 @@
   <p:timing>
     <p:tnLst>
       <p:par>
-        <p:cTn id="1" dur="indefinite" restart="never" nodeType="tmRoot"/>
+        <p:cTn xmlns:p14="http://schemas.microsoft.com/office/powerpoint/2010/main" id="1" dur="indefinite" restart="never" nodeType="tmRoot"/>
       </p:par>
     </p:tnLst>
   </p:timing>
@@ -3836,183 +3838,6 @@
 </file>
 
 <file path=ppt/slides/slide10.xml><?xml version="1.0" encoding="utf-8"?>
-<p:sld xmlns:a="http://schemas.openxmlformats.org/drawingml/2006/main" xmlns:r="http://schemas.openxmlformats.org/officeDocument/2006/relationships" xmlns:p="http://schemas.openxmlformats.org/presentationml/2006/main">
-  <p:cSld>
-    <p:spTree>
-      <p:nvGrpSpPr>
-        <p:cNvPr id="1" name=""/>
-        <p:cNvGrpSpPr/>
-        <p:nvPr/>
-      </p:nvGrpSpPr>
-      <p:grpSpPr>
-        <a:xfrm>
-          <a:off x="0" y="0"/>
-          <a:ext cx="0" cy="0"/>
-          <a:chOff x="0" y="0"/>
-          <a:chExt cx="0" cy="0"/>
-        </a:xfrm>
-      </p:grpSpPr>
-      <p:sp>
-        <p:nvSpPr>
-          <p:cNvPr id="2" name="Title 1"/>
-          <p:cNvSpPr>
-            <a:spLocks noGrp="1"/>
-          </p:cNvSpPr>
-          <p:nvPr>
-            <p:ph type="title"/>
-          </p:nvPr>
-        </p:nvSpPr>
-        <p:spPr/>
-        <p:txBody>
-          <a:bodyPr>
-            <a:normAutofit fontScale="90000"/>
-          </a:bodyPr>
-          <a:lstStyle/>
-          <a:p>
-            <a:r>
-              <a:rPr lang="en-US" dirty="0" smtClean="0"/>
-              <a:t>So really: why do we use spatial analysis?</a:t>
-            </a:r>
-            <a:endParaRPr lang="en-US" dirty="0"/>
-          </a:p>
-        </p:txBody>
-      </p:sp>
-      <p:sp>
-        <p:nvSpPr>
-          <p:cNvPr id="3" name="Content Placeholder 2"/>
-          <p:cNvSpPr>
-            <a:spLocks noGrp="1"/>
-          </p:cNvSpPr>
-          <p:nvPr>
-            <p:ph idx="1"/>
-          </p:nvPr>
-        </p:nvSpPr>
-        <p:spPr/>
-        <p:txBody>
-          <a:bodyPr/>
-          <a:lstStyle/>
-          <a:p>
-            <a:r>
-              <a:rPr lang="en-US" dirty="0" smtClean="0"/>
-              <a:t>Surveillance</a:t>
-            </a:r>
-          </a:p>
-          <a:p>
-            <a:pPr lvl="1"/>
-            <a:r>
-              <a:rPr lang="en-US" dirty="0" smtClean="0"/>
-              <a:t>Are the spatial patterns to disease incidence?</a:t>
-            </a:r>
-          </a:p>
-          <a:p>
-            <a:r>
-              <a:rPr lang="en-US" dirty="0" smtClean="0"/>
-              <a:t>Infectious disease etiology/vector identification</a:t>
-            </a:r>
-          </a:p>
-          <a:p>
-            <a:pPr lvl="1"/>
-            <a:r>
-              <a:rPr lang="en-US" dirty="0" smtClean="0"/>
-              <a:t>Can the spatial pattern tell us something about how the disease is being transmitted?</a:t>
-            </a:r>
-          </a:p>
-          <a:p>
-            <a:r>
-              <a:rPr lang="en-US" dirty="0" smtClean="0"/>
-              <a:t>Cluster investigations</a:t>
-            </a:r>
-          </a:p>
-          <a:p>
-            <a:r>
-              <a:rPr lang="en-US" dirty="0" smtClean="0"/>
-              <a:t>Neighborhood influences</a:t>
-            </a:r>
-          </a:p>
-          <a:p>
-            <a:r>
-              <a:rPr lang="en-US" dirty="0" smtClean="0"/>
-              <a:t>etc.</a:t>
-            </a:r>
-          </a:p>
-          <a:p>
-            <a:endParaRPr lang="en-US" dirty="0" smtClean="0"/>
-          </a:p>
-          <a:p>
-            <a:endParaRPr lang="en-US" dirty="0"/>
-          </a:p>
-        </p:txBody>
-      </p:sp>
-      <p:pic>
-        <p:nvPicPr>
-          <p:cNvPr id="3074" name="Picture 2"/>
-          <p:cNvPicPr>
-            <a:picLocks noChangeAspect="1" noChangeArrowheads="1"/>
-          </p:cNvPicPr>
-          <p:nvPr/>
-        </p:nvPicPr>
-        <p:blipFill>
-          <a:blip r:embed="rId2">
-            <a:extLst>
-              <a:ext uri="{28A0092B-C50C-407E-A947-70E740481C1C}">
-                <a14:useLocalDpi xmlns:a14="http://schemas.microsoft.com/office/drawing/2010/main" val="0"/>
-              </a:ext>
-            </a:extLst>
-          </a:blip>
-          <a:srcRect/>
-          <a:stretch>
-            <a:fillRect/>
-          </a:stretch>
-        </p:blipFill>
-        <p:spPr bwMode="auto">
-          <a:xfrm>
-            <a:off x="6248400" y="4267200"/>
-            <a:ext cx="2438400" cy="851338"/>
-          </a:xfrm>
-          <a:prstGeom prst="rect">
-            <a:avLst/>
-          </a:prstGeom>
-          <a:noFill/>
-          <a:ln>
-            <a:noFill/>
-          </a:ln>
-          <a:extLst>
-            <a:ext uri="{909E8E84-426E-40DD-AFC4-6F175D3DCCD1}">
-              <a14:hiddenFill xmlns:a14="http://schemas.microsoft.com/office/drawing/2010/main">
-                <a:solidFill>
-                  <a:schemeClr val="accent1"/>
-                </a:solidFill>
-              </a14:hiddenFill>
-            </a:ext>
-            <a:ext uri="{91240B29-F687-4F45-9708-019B960494DF}">
-              <a14:hiddenLine xmlns:a14="http://schemas.microsoft.com/office/drawing/2010/main" w="9525">
-                <a:solidFill>
-                  <a:schemeClr val="tx1"/>
-                </a:solidFill>
-                <a:miter lim="800000"/>
-                <a:headEnd/>
-                <a:tailEnd/>
-              </a14:hiddenLine>
-            </a:ext>
-          </a:extLst>
-        </p:spPr>
-      </p:pic>
-    </p:spTree>
-  </p:cSld>
-  <p:clrMapOvr>
-    <a:masterClrMapping/>
-  </p:clrMapOvr>
-  <p:timing>
-    <p:tnLst>
-      <p:par>
-        <p:cTn id="1" dur="indefinite" restart="never" nodeType="tmRoot"/>
-      </p:par>
-    </p:tnLst>
-  </p:timing>
-</p:sld>
-</file>
-
-<file path=ppt/slides/slide11.xml><?xml version="1.0" encoding="utf-8"?>
 <p:sld xmlns:a="http://schemas.openxmlformats.org/drawingml/2006/main" xmlns:r="http://schemas.openxmlformats.org/officeDocument/2006/relationships" xmlns:p="http://schemas.openxmlformats.org/presentationml/2006/main">
   <p:cSld>
     <p:spTree>
@@ -4137,14 +3962,14 @@
   <p:timing>
     <p:tnLst>
       <p:par>
-        <p:cTn id="1" dur="indefinite" restart="never" nodeType="tmRoot"/>
+        <p:cTn xmlns:p14="http://schemas.microsoft.com/office/powerpoint/2010/main" id="1" dur="indefinite" restart="never" nodeType="tmRoot"/>
       </p:par>
     </p:tnLst>
   </p:timing>
 </p:sld>
 </file>
 
-<file path=ppt/slides/slide12.xml><?xml version="1.0" encoding="utf-8"?>
+<file path=ppt/slides/slide11.xml><?xml version="1.0" encoding="utf-8"?>
 <p:sld xmlns:a="http://schemas.openxmlformats.org/drawingml/2006/main" xmlns:r="http://schemas.openxmlformats.org/officeDocument/2006/relationships" xmlns:p="http://schemas.openxmlformats.org/presentationml/2006/main">
   <p:cSld>
     <p:spTree>
@@ -4286,14 +4111,14 @@
             <a:noFill/>
           </a:ln>
           <a:extLst>
-            <a:ext uri="{909E8E84-426E-40DD-AFC4-6F175D3DCCD1}">
+            <a:ext uri="{909E8E84-426E-40dd-AFC4-6F175D3DCCD1}">
               <a14:hiddenFill xmlns:a14="http://schemas.microsoft.com/office/drawing/2010/main">
                 <a:solidFill>
                   <a:schemeClr val="accent1"/>
                 </a:solidFill>
               </a14:hiddenFill>
             </a:ext>
-            <a:ext uri="{91240B29-F687-4F45-9708-019B960494DF}">
+            <a:ext uri="{91240B29-F687-4f45-9708-019B960494DF}">
               <a14:hiddenLine xmlns:a14="http://schemas.microsoft.com/office/drawing/2010/main" w="9525">
                 <a:solidFill>
                   <a:schemeClr val="tx1"/>
@@ -4379,7 +4204,7 @@
   <p:timing>
     <p:tnLst>
       <p:par>
-        <p:cTn id="1" dur="indefinite" restart="never" nodeType="tmRoot">
+        <p:cTn xmlns:p14="http://schemas.microsoft.com/office/powerpoint/2010/main" id="1" dur="indefinite" restart="never" nodeType="tmRoot">
           <p:childTnLst>
             <p:seq concurrent="1" nextAc="seek">
               <p:cTn id="2" dur="indefinite" nodeType="mainSeq">
@@ -4489,7 +4314,7 @@
 </p:sld>
 </file>
 
-<file path=ppt/slides/slide13.xml><?xml version="1.0" encoding="utf-8"?>
+<file path=ppt/slides/slide12.xml><?xml version="1.0" encoding="utf-8"?>
 <p:sld xmlns:a="http://schemas.openxmlformats.org/drawingml/2006/main" xmlns:r="http://schemas.openxmlformats.org/officeDocument/2006/relationships" xmlns:p="http://schemas.openxmlformats.org/presentationml/2006/main">
   <p:cSld>
     <p:spTree>
@@ -4611,7 +4436,7 @@
   <p:timing>
     <p:tnLst>
       <p:par>
-        <p:cTn id="1" dur="indefinite" restart="never" nodeType="tmRoot">
+        <p:cTn xmlns:p14="http://schemas.microsoft.com/office/powerpoint/2010/main" id="1" dur="indefinite" restart="never" nodeType="tmRoot">
           <p:childTnLst>
             <p:seq concurrent="1" nextAc="seek">
               <p:cTn id="2" dur="indefinite" nodeType="mainSeq">
@@ -4693,7 +4518,7 @@
 </p:sld>
 </file>
 
-<file path=ppt/slides/slide14.xml><?xml version="1.0" encoding="utf-8"?>
+<file path=ppt/slides/slide13.xml><?xml version="1.0" encoding="utf-8"?>
 <p:sld xmlns:a="http://schemas.openxmlformats.org/drawingml/2006/main" xmlns:r="http://schemas.openxmlformats.org/officeDocument/2006/relationships" xmlns:p="http://schemas.openxmlformats.org/presentationml/2006/main">
   <p:cSld>
     <p:spTree>
@@ -4825,14 +4650,14 @@
             <a:noFill/>
           </a:ln>
           <a:extLst>
-            <a:ext uri="{909E8E84-426E-40DD-AFC4-6F175D3DCCD1}">
+            <a:ext uri="{909E8E84-426E-40dd-AFC4-6F175D3DCCD1}">
               <a14:hiddenFill xmlns:a14="http://schemas.microsoft.com/office/drawing/2010/main">
                 <a:solidFill>
                   <a:schemeClr val="accent1"/>
                 </a:solidFill>
               </a14:hiddenFill>
             </a:ext>
-            <a:ext uri="{91240B29-F687-4F45-9708-019B960494DF}">
+            <a:ext uri="{91240B29-F687-4f45-9708-019B960494DF}">
               <a14:hiddenLine xmlns:a14="http://schemas.microsoft.com/office/drawing/2010/main" w="9525">
                 <a:solidFill>
                   <a:schemeClr val="tx1"/>
@@ -4858,7 +4683,7 @@
   <p:timing>
     <p:tnLst>
       <p:par>
-        <p:cTn id="1" dur="indefinite" restart="never" nodeType="tmRoot">
+        <p:cTn xmlns:p14="http://schemas.microsoft.com/office/powerpoint/2010/main" id="1" dur="indefinite" restart="never" nodeType="tmRoot">
           <p:childTnLst>
             <p:seq concurrent="1" nextAc="seek">
               <p:cTn id="2" dur="indefinite" nodeType="mainSeq">
@@ -4937,7 +4762,7 @@
 </p:sld>
 </file>
 
-<file path=ppt/slides/slide15.xml><?xml version="1.0" encoding="utf-8"?>
+<file path=ppt/slides/slide14.xml><?xml version="1.0" encoding="utf-8"?>
 <p:sld xmlns:a="http://schemas.openxmlformats.org/drawingml/2006/main" xmlns:r="http://schemas.openxmlformats.org/officeDocument/2006/relationships" xmlns:p="http://schemas.openxmlformats.org/presentationml/2006/main">
   <p:cSld>
     <p:spTree>
@@ -5034,14 +4859,14 @@
             <a:noFill/>
           </a:ln>
           <a:extLst>
-            <a:ext uri="{909E8E84-426E-40DD-AFC4-6F175D3DCCD1}">
+            <a:ext uri="{909E8E84-426E-40dd-AFC4-6F175D3DCCD1}">
               <a14:hiddenFill xmlns:a14="http://schemas.microsoft.com/office/drawing/2010/main">
                 <a:solidFill>
                   <a:schemeClr val="accent1"/>
                 </a:solidFill>
               </a14:hiddenFill>
             </a:ext>
-            <a:ext uri="{91240B29-F687-4F45-9708-019B960494DF}">
+            <a:ext uri="{91240B29-F687-4f45-9708-019B960494DF}">
               <a14:hiddenLine xmlns:a14="http://schemas.microsoft.com/office/drawing/2010/main" w="9525">
                 <a:solidFill>
                   <a:schemeClr val="tx1"/>
@@ -5088,14 +4913,14 @@
             <a:noFill/>
           </a:ln>
           <a:extLst>
-            <a:ext uri="{909E8E84-426E-40DD-AFC4-6F175D3DCCD1}">
+            <a:ext uri="{909E8E84-426E-40dd-AFC4-6F175D3DCCD1}">
               <a14:hiddenFill xmlns:a14="http://schemas.microsoft.com/office/drawing/2010/main">
                 <a:solidFill>
                   <a:schemeClr val="accent1"/>
                 </a:solidFill>
               </a14:hiddenFill>
             </a:ext>
-            <a:ext uri="{91240B29-F687-4F45-9708-019B960494DF}">
+            <a:ext uri="{91240B29-F687-4f45-9708-019B960494DF}">
               <a14:hiddenLine xmlns:a14="http://schemas.microsoft.com/office/drawing/2010/main" w="9525">
                 <a:solidFill>
                   <a:schemeClr val="tx1"/>
@@ -5151,14 +4976,14 @@
   <p:timing>
     <p:tnLst>
       <p:par>
-        <p:cTn id="1" dur="indefinite" restart="never" nodeType="tmRoot"/>
+        <p:cTn xmlns:p14="http://schemas.microsoft.com/office/powerpoint/2010/main" id="1" dur="indefinite" restart="never" nodeType="tmRoot"/>
       </p:par>
     </p:tnLst>
   </p:timing>
 </p:sld>
 </file>
 
-<file path=ppt/slides/slide16.xml><?xml version="1.0" encoding="utf-8"?>
+<file path=ppt/slides/slide15.xml><?xml version="1.0" encoding="utf-8"?>
 <p:sld xmlns:a="http://schemas.openxmlformats.org/drawingml/2006/main" xmlns:r="http://schemas.openxmlformats.org/officeDocument/2006/relationships" xmlns:p="http://schemas.openxmlformats.org/presentationml/2006/main">
   <p:cSld>
     <p:spTree>
@@ -5276,14 +5101,14 @@
             <a:noFill/>
           </a:ln>
           <a:extLst>
-            <a:ext uri="{909E8E84-426E-40DD-AFC4-6F175D3DCCD1}">
+            <a:ext uri="{909E8E84-426E-40dd-AFC4-6F175D3DCCD1}">
               <a14:hiddenFill xmlns:a14="http://schemas.microsoft.com/office/drawing/2010/main">
                 <a:solidFill>
                   <a:schemeClr val="accent1"/>
                 </a:solidFill>
               </a14:hiddenFill>
             </a:ext>
-            <a:ext uri="{91240B29-F687-4F45-9708-019B960494DF}">
+            <a:ext uri="{91240B29-F687-4f45-9708-019B960494DF}">
               <a14:hiddenLine xmlns:a14="http://schemas.microsoft.com/office/drawing/2010/main" w="9525">
                 <a:solidFill>
                   <a:schemeClr val="tx1"/>
@@ -5309,14 +5134,14 @@
   <p:timing>
     <p:tnLst>
       <p:par>
-        <p:cTn id="1" dur="indefinite" restart="never" nodeType="tmRoot"/>
+        <p:cTn xmlns:p14="http://schemas.microsoft.com/office/powerpoint/2010/main" id="1" dur="indefinite" restart="never" nodeType="tmRoot"/>
       </p:par>
     </p:tnLst>
   </p:timing>
 </p:sld>
 </file>
 
-<file path=ppt/slides/slide17.xml><?xml version="1.0" encoding="utf-8"?>
+<file path=ppt/slides/slide16.xml><?xml version="1.0" encoding="utf-8"?>
 <p:sld xmlns:a="http://schemas.openxmlformats.org/drawingml/2006/main" xmlns:r="http://schemas.openxmlformats.org/officeDocument/2006/relationships" xmlns:p="http://schemas.openxmlformats.org/presentationml/2006/main">
   <p:cSld>
     <p:spTree>
@@ -5441,14 +5266,14 @@
             <a:noFill/>
           </a:ln>
           <a:extLst>
-            <a:ext uri="{909E8E84-426E-40DD-AFC4-6F175D3DCCD1}">
+            <a:ext uri="{909E8E84-426E-40dd-AFC4-6F175D3DCCD1}">
               <a14:hiddenFill xmlns:a14="http://schemas.microsoft.com/office/drawing/2010/main">
                 <a:solidFill>
                   <a:schemeClr val="accent1"/>
                 </a:solidFill>
               </a14:hiddenFill>
             </a:ext>
-            <a:ext uri="{91240B29-F687-4F45-9708-019B960494DF}">
+            <a:ext uri="{91240B29-F687-4f45-9708-019B960494DF}">
               <a14:hiddenLine xmlns:a14="http://schemas.microsoft.com/office/drawing/2010/main" w="9525">
                 <a:solidFill>
                   <a:schemeClr val="tx1"/>
@@ -5474,14 +5299,14 @@
   <p:timing>
     <p:tnLst>
       <p:par>
-        <p:cTn id="1" dur="indefinite" restart="never" nodeType="tmRoot"/>
+        <p:cTn xmlns:p14="http://schemas.microsoft.com/office/powerpoint/2010/main" id="1" dur="indefinite" restart="never" nodeType="tmRoot"/>
       </p:par>
     </p:tnLst>
   </p:timing>
 </p:sld>
 </file>
 
-<file path=ppt/slides/slide18.xml><?xml version="1.0" encoding="utf-8"?>
+<file path=ppt/slides/slide17.xml><?xml version="1.0" encoding="utf-8"?>
 <p:sld xmlns:a="http://schemas.openxmlformats.org/drawingml/2006/main" xmlns:r="http://schemas.openxmlformats.org/officeDocument/2006/relationships" xmlns:p="http://schemas.openxmlformats.org/presentationml/2006/main">
   <p:cSld>
     <p:spTree>
@@ -5610,14 +5435,14 @@
             <a:noFill/>
           </a:ln>
           <a:extLst>
-            <a:ext uri="{909E8E84-426E-40DD-AFC4-6F175D3DCCD1}">
+            <a:ext uri="{909E8E84-426E-40dd-AFC4-6F175D3DCCD1}">
               <a14:hiddenFill xmlns:a14="http://schemas.microsoft.com/office/drawing/2010/main">
                 <a:solidFill>
                   <a:schemeClr val="accent1"/>
                 </a:solidFill>
               </a14:hiddenFill>
             </a:ext>
-            <a:ext uri="{91240B29-F687-4F45-9708-019B960494DF}">
+            <a:ext uri="{91240B29-F687-4f45-9708-019B960494DF}">
               <a14:hiddenLine xmlns:a14="http://schemas.microsoft.com/office/drawing/2010/main" w="9525">
                 <a:solidFill>
                   <a:schemeClr val="tx1"/>
@@ -5643,14 +5468,14 @@
   <p:timing>
     <p:tnLst>
       <p:par>
-        <p:cTn id="1" dur="indefinite" restart="never" nodeType="tmRoot"/>
+        <p:cTn xmlns:p14="http://schemas.microsoft.com/office/powerpoint/2010/main" id="1" dur="indefinite" restart="never" nodeType="tmRoot"/>
       </p:par>
     </p:tnLst>
   </p:timing>
 </p:sld>
 </file>
 
-<file path=ppt/slides/slide19.xml><?xml version="1.0" encoding="utf-8"?>
+<file path=ppt/slides/slide18.xml><?xml version="1.0" encoding="utf-8"?>
 <p:sld xmlns:a="http://schemas.openxmlformats.org/drawingml/2006/main" xmlns:r="http://schemas.openxmlformats.org/officeDocument/2006/relationships" xmlns:p="http://schemas.openxmlformats.org/presentationml/2006/main">
   <p:cSld>
     <p:spTree>
@@ -5818,130 +5643,14 @@
   <p:timing>
     <p:tnLst>
       <p:par>
-        <p:cTn id="1" dur="indefinite" restart="never" nodeType="tmRoot"/>
+        <p:cTn xmlns:p14="http://schemas.microsoft.com/office/powerpoint/2010/main" id="1" dur="indefinite" restart="never" nodeType="tmRoot"/>
       </p:par>
     </p:tnLst>
   </p:timing>
 </p:sld>
 </file>
 
-<file path=ppt/slides/slide2.xml><?xml version="1.0" encoding="utf-8"?>
-<p:sld xmlns:a="http://schemas.openxmlformats.org/drawingml/2006/main" xmlns:r="http://schemas.openxmlformats.org/officeDocument/2006/relationships" xmlns:p="http://schemas.openxmlformats.org/presentationml/2006/main">
-  <p:cSld>
-    <p:spTree>
-      <p:nvGrpSpPr>
-        <p:cNvPr id="1" name=""/>
-        <p:cNvGrpSpPr/>
-        <p:nvPr/>
-      </p:nvGrpSpPr>
-      <p:grpSpPr>
-        <a:xfrm>
-          <a:off x="0" y="0"/>
-          <a:ext cx="0" cy="0"/>
-          <a:chOff x="0" y="0"/>
-          <a:chExt cx="0" cy="0"/>
-        </a:xfrm>
-      </p:grpSpPr>
-      <p:sp>
-        <p:nvSpPr>
-          <p:cNvPr id="2" name="Title 1"/>
-          <p:cNvSpPr>
-            <a:spLocks noGrp="1"/>
-          </p:cNvSpPr>
-          <p:nvPr>
-            <p:ph type="title"/>
-          </p:nvPr>
-        </p:nvSpPr>
-        <p:spPr/>
-        <p:txBody>
-          <a:bodyPr/>
-          <a:lstStyle/>
-          <a:p>
-            <a:r>
-              <a:rPr lang="en-US" dirty="0" smtClean="0"/>
-              <a:t>Quiz Aftermath</a:t>
-            </a:r>
-            <a:endParaRPr lang="en-US" dirty="0"/>
-          </a:p>
-        </p:txBody>
-      </p:sp>
-      <p:pic>
-        <p:nvPicPr>
-          <p:cNvPr id="1026" name="Picture 2"/>
-          <p:cNvPicPr>
-            <a:picLocks noGrp="1" noChangeAspect="1" noChangeArrowheads="1"/>
-          </p:cNvPicPr>
-          <p:nvPr>
-            <p:ph idx="1"/>
-          </p:nvPr>
-        </p:nvPicPr>
-        <p:blipFill>
-          <a:blip r:embed="rId2">
-            <a:extLst>
-              <a:ext uri="{28A0092B-C50C-407E-A947-70E740481C1C}">
-                <a14:useLocalDpi xmlns:a14="http://schemas.microsoft.com/office/drawing/2010/main" val="0"/>
-              </a:ext>
-            </a:extLst>
-          </a:blip>
-          <a:srcRect/>
-          <a:stretch>
-            <a:fillRect/>
-          </a:stretch>
-        </p:blipFill>
-        <p:spPr bwMode="auto">
-          <a:xfrm>
-            <a:off x="2265968" y="2209800"/>
-            <a:ext cx="4287231" cy="3073864"/>
-          </a:xfrm>
-          <a:prstGeom prst="rect">
-            <a:avLst/>
-          </a:prstGeom>
-          <a:noFill/>
-          <a:ln>
-            <a:noFill/>
-          </a:ln>
-          <a:extLst>
-            <a:ext uri="{909E8E84-426E-40DD-AFC4-6F175D3DCCD1}">
-              <a14:hiddenFill xmlns:a14="http://schemas.microsoft.com/office/drawing/2010/main">
-                <a:solidFill>
-                  <a:schemeClr val="accent1"/>
-                </a:solidFill>
-              </a14:hiddenFill>
-            </a:ext>
-            <a:ext uri="{91240B29-F687-4F45-9708-019B960494DF}">
-              <a14:hiddenLine xmlns:a14="http://schemas.microsoft.com/office/drawing/2010/main" w="9525">
-                <a:solidFill>
-                  <a:schemeClr val="tx1"/>
-                </a:solidFill>
-                <a:miter lim="800000"/>
-                <a:headEnd/>
-                <a:tailEnd/>
-              </a14:hiddenLine>
-            </a:ext>
-          </a:extLst>
-        </p:spPr>
-      </p:pic>
-    </p:spTree>
-    <p:extLst>
-      <p:ext uri="{BB962C8B-B14F-4D97-AF65-F5344CB8AC3E}">
-        <p14:creationId xmlns:p14="http://schemas.microsoft.com/office/powerpoint/2010/main" val="732804549"/>
-      </p:ext>
-    </p:extLst>
-  </p:cSld>
-  <p:clrMapOvr>
-    <a:masterClrMapping/>
-  </p:clrMapOvr>
-  <p:timing>
-    <p:tnLst>
-      <p:par>
-        <p:cTn id="1" dur="indefinite" restart="never" nodeType="tmRoot"/>
-      </p:par>
-    </p:tnLst>
-  </p:timing>
-</p:sld>
-</file>
-
-<file path=ppt/slides/slide20.xml><?xml version="1.0" encoding="utf-8"?>
+<file path=ppt/slides/slide19.xml><?xml version="1.0" encoding="utf-8"?>
 <p:sld xmlns:a="http://schemas.openxmlformats.org/drawingml/2006/main" xmlns:r="http://schemas.openxmlformats.org/officeDocument/2006/relationships" xmlns:p="http://schemas.openxmlformats.org/presentationml/2006/main">
   <p:cSld>
     <p:spTree>
@@ -6054,14 +5763,14 @@
             <a:noFill/>
           </a:ln>
           <a:extLst>
-            <a:ext uri="{909E8E84-426E-40DD-AFC4-6F175D3DCCD1}">
+            <a:ext uri="{909E8E84-426E-40dd-AFC4-6F175D3DCCD1}">
               <a14:hiddenFill xmlns:a14="http://schemas.microsoft.com/office/drawing/2010/main">
                 <a:solidFill>
                   <a:schemeClr val="accent1"/>
                 </a:solidFill>
               </a14:hiddenFill>
             </a:ext>
-            <a:ext uri="{91240B29-F687-4F45-9708-019B960494DF}">
+            <a:ext uri="{91240B29-F687-4f45-9708-019B960494DF}">
               <a14:hiddenLine xmlns:a14="http://schemas.microsoft.com/office/drawing/2010/main" w="9525">
                 <a:solidFill>
                   <a:schemeClr val="tx1"/>
@@ -6109,14 +5818,14 @@
           </a:ln>
           <a:effectLst/>
           <a:extLst>
-            <a:ext uri="{909E8E84-426E-40DD-AFC4-6F175D3DCCD1}">
+            <a:ext uri="{909E8E84-426E-40dd-AFC4-6F175D3DCCD1}">
               <a14:hiddenFill xmlns:a14="http://schemas.microsoft.com/office/drawing/2010/main">
                 <a:solidFill>
                   <a:schemeClr val="accent1"/>
                 </a:solidFill>
               </a14:hiddenFill>
             </a:ext>
-            <a:ext uri="{91240B29-F687-4F45-9708-019B960494DF}">
+            <a:ext uri="{91240B29-F687-4f45-9708-019B960494DF}">
               <a14:hiddenLine xmlns:a14="http://schemas.microsoft.com/office/drawing/2010/main" w="9525">
                 <a:solidFill>
                   <a:schemeClr val="tx1"/>
@@ -6126,7 +5835,7 @@
                 <a:tailEnd/>
               </a14:hiddenLine>
             </a:ext>
-            <a:ext uri="{AF507438-7753-43E0-B8FC-AC1667EBCBE1}">
+            <a:ext uri="{AF507438-7753-43e0-B8FC-AC1667EBCBE1}">
               <a14:hiddenEffects xmlns:a14="http://schemas.microsoft.com/office/drawing/2010/main">
                 <a:effectLst>
                   <a:outerShdw dist="35921" dir="2700000" algn="ctr" rotWithShape="0">
@@ -6181,14 +5890,14 @@
   <p:timing>
     <p:tnLst>
       <p:par>
-        <p:cTn id="1" dur="indefinite" restart="never" nodeType="tmRoot"/>
+        <p:cTn xmlns:p14="http://schemas.microsoft.com/office/powerpoint/2010/main" id="1" dur="indefinite" restart="never" nodeType="tmRoot"/>
       </p:par>
     </p:tnLst>
   </p:timing>
 </p:sld>
 </file>
 
-<file path=ppt/slides/slide21.xml><?xml version="1.0" encoding="utf-8"?>
+<file path=ppt/slides/slide2.xml><?xml version="1.0" encoding="utf-8"?>
 <p:sld xmlns:a="http://schemas.openxmlformats.org/drawingml/2006/main" xmlns:r="http://schemas.openxmlformats.org/officeDocument/2006/relationships" xmlns:p="http://schemas.openxmlformats.org/presentationml/2006/main">
   <p:cSld>
     <p:spTree>
@@ -6221,6 +5930,107 @@
           <a:lstStyle/>
           <a:p>
             <a:r>
+              <a:rPr lang="en-US" dirty="0" smtClean="0"/>
+              <a:t>Agenda</a:t>
+            </a:r>
+            <a:endParaRPr lang="en-US" dirty="0"/>
+          </a:p>
+        </p:txBody>
+      </p:sp>
+      <p:sp>
+        <p:nvSpPr>
+          <p:cNvPr id="3" name="Content Placeholder 2"/>
+          <p:cNvSpPr>
+            <a:spLocks noGrp="1"/>
+          </p:cNvSpPr>
+          <p:nvPr>
+            <p:ph idx="1"/>
+          </p:nvPr>
+        </p:nvSpPr>
+        <p:spPr/>
+        <p:txBody>
+          <a:bodyPr/>
+          <a:lstStyle/>
+          <a:p>
+            <a:r>
+              <a:rPr lang="en-US" dirty="0" smtClean="0"/>
+              <a:t>Mapping and intro spatial data in R</a:t>
+            </a:r>
+          </a:p>
+          <a:p>
+            <a:r>
+              <a:rPr lang="en-US" dirty="0" smtClean="0"/>
+              <a:t>Break</a:t>
+            </a:r>
+            <a:endParaRPr lang="en-US" dirty="0"/>
+          </a:p>
+          <a:p>
+            <a:r>
+              <a:rPr lang="en-US" dirty="0" smtClean="0"/>
+              <a:t>Work time</a:t>
+            </a:r>
+          </a:p>
+          <a:p>
+            <a:r>
+              <a:rPr lang="en-US" dirty="0"/>
+              <a:t>Concepts in spatial analysis</a:t>
+            </a:r>
+          </a:p>
+        </p:txBody>
+      </p:sp>
+    </p:spTree>
+    <p:extLst>
+      <p:ext uri="{BB962C8B-B14F-4D97-AF65-F5344CB8AC3E}">
+        <p14:creationId xmlns:p14="http://schemas.microsoft.com/office/powerpoint/2010/main" val="1070311215"/>
+      </p:ext>
+    </p:extLst>
+  </p:cSld>
+  <p:clrMapOvr>
+    <a:masterClrMapping/>
+  </p:clrMapOvr>
+  <p:timing>
+    <p:tnLst>
+      <p:par>
+        <p:cTn xmlns:p14="http://schemas.microsoft.com/office/powerpoint/2010/main" id="1" dur="indefinite" restart="never" nodeType="tmRoot"/>
+      </p:par>
+    </p:tnLst>
+  </p:timing>
+</p:sld>
+</file>
+
+<file path=ppt/slides/slide20.xml><?xml version="1.0" encoding="utf-8"?>
+<p:sld xmlns:a="http://schemas.openxmlformats.org/drawingml/2006/main" xmlns:r="http://schemas.openxmlformats.org/officeDocument/2006/relationships" xmlns:p="http://schemas.openxmlformats.org/presentationml/2006/main">
+  <p:cSld>
+    <p:spTree>
+      <p:nvGrpSpPr>
+        <p:cNvPr id="1" name=""/>
+        <p:cNvGrpSpPr/>
+        <p:nvPr/>
+      </p:nvGrpSpPr>
+      <p:grpSpPr>
+        <a:xfrm>
+          <a:off x="0" y="0"/>
+          <a:ext cx="0" cy="0"/>
+          <a:chOff x="0" y="0"/>
+          <a:chExt cx="0" cy="0"/>
+        </a:xfrm>
+      </p:grpSpPr>
+      <p:sp>
+        <p:nvSpPr>
+          <p:cNvPr id="2" name="Title 1"/>
+          <p:cNvSpPr>
+            <a:spLocks noGrp="1"/>
+          </p:cNvSpPr>
+          <p:nvPr>
+            <p:ph type="title"/>
+          </p:nvPr>
+        </p:nvSpPr>
+        <p:spPr/>
+        <p:txBody>
+          <a:bodyPr/>
+          <a:lstStyle/>
+          <a:p>
+            <a:r>
               <a:rPr lang="en-US" dirty="0"/>
               <a:t>Spatially aware R objects</a:t>
             </a:r>
@@ -6307,7 +6117,7 @@
   <p:timing>
     <p:tnLst>
       <p:par>
-        <p:cTn id="1" dur="indefinite" restart="never" nodeType="tmRoot">
+        <p:cTn xmlns:p14="http://schemas.microsoft.com/office/powerpoint/2010/main" id="1" dur="indefinite" restart="never" nodeType="tmRoot">
           <p:childTnLst>
             <p:seq concurrent="1" nextAc="seek">
               <p:cTn id="2" dur="indefinite" nodeType="mainSeq">
@@ -6386,6 +6196,197 @@
 </p:sld>
 </file>
 
+<file path=ppt/slides/slide21.xml><?xml version="1.0" encoding="utf-8"?>
+<p:sld xmlns:a="http://schemas.openxmlformats.org/drawingml/2006/main" xmlns:r="http://schemas.openxmlformats.org/officeDocument/2006/relationships" xmlns:p="http://schemas.openxmlformats.org/presentationml/2006/main">
+  <p:cSld>
+    <p:spTree>
+      <p:nvGrpSpPr>
+        <p:cNvPr id="1" name=""/>
+        <p:cNvGrpSpPr/>
+        <p:nvPr/>
+      </p:nvGrpSpPr>
+      <p:grpSpPr>
+        <a:xfrm>
+          <a:off x="0" y="0"/>
+          <a:ext cx="0" cy="0"/>
+          <a:chOff x="0" y="0"/>
+          <a:chExt cx="0" cy="0"/>
+        </a:xfrm>
+      </p:grpSpPr>
+      <p:sp>
+        <p:nvSpPr>
+          <p:cNvPr id="2" name="Title 1"/>
+          <p:cNvSpPr>
+            <a:spLocks noGrp="1"/>
+          </p:cNvSpPr>
+          <p:nvPr>
+            <p:ph type="title"/>
+          </p:nvPr>
+        </p:nvSpPr>
+        <p:spPr/>
+        <p:txBody>
+          <a:bodyPr>
+            <a:normAutofit fontScale="90000"/>
+          </a:bodyPr>
+          <a:lstStyle/>
+          <a:p>
+            <a:r>
+              <a:rPr lang="en-US" dirty="0" smtClean="0"/>
+              <a:t>Aside: why the </a:t>
+            </a:r>
+            <a:r>
+              <a:rPr lang="en-US" dirty="0" err="1" smtClean="0"/>
+              <a:t>sp</a:t>
+            </a:r>
+            <a:r>
+              <a:rPr lang="en-US" dirty="0" smtClean="0"/>
+              <a:t> package, which is generally awesome, makes me angry</a:t>
+            </a:r>
+            <a:endParaRPr lang="en-US" dirty="0"/>
+          </a:p>
+        </p:txBody>
+      </p:sp>
+      <p:sp>
+        <p:nvSpPr>
+          <p:cNvPr id="3" name="Content Placeholder 2"/>
+          <p:cNvSpPr>
+            <a:spLocks noGrp="1"/>
+          </p:cNvSpPr>
+          <p:nvPr>
+            <p:ph idx="1"/>
+          </p:nvPr>
+        </p:nvSpPr>
+        <p:spPr/>
+        <p:txBody>
+          <a:bodyPr>
+            <a:normAutofit fontScale="77500" lnSpcReduction="20000"/>
+          </a:bodyPr>
+          <a:lstStyle/>
+          <a:p>
+            <a:r>
+              <a:rPr lang="en-US" dirty="0" smtClean="0"/>
+              <a:t>Caveat: the following is just my opinion</a:t>
+            </a:r>
+          </a:p>
+          <a:p>
+            <a:endParaRPr lang="en-US" dirty="0" smtClean="0"/>
+          </a:p>
+          <a:p>
+            <a:r>
+              <a:rPr lang="en-US" dirty="0" smtClean="0"/>
+              <a:t>Quietly changing the underlying type of an object is </a:t>
+            </a:r>
+            <a:r>
+              <a:rPr lang="en-US" i="1" dirty="0" smtClean="0"/>
+              <a:t>evil*</a:t>
+            </a:r>
+            <a:endParaRPr lang="en-US" i="1" dirty="0"/>
+          </a:p>
+          <a:p>
+            <a:r>
+              <a:rPr lang="en-US" dirty="0" smtClean="0"/>
+              <a:t>For example, try this:</a:t>
+            </a:r>
+          </a:p>
+          <a:p>
+            <a:pPr lvl="1"/>
+            <a:r>
+              <a:rPr lang="en-US" dirty="0" smtClean="0"/>
+              <a:t>data(</a:t>
+            </a:r>
+            <a:r>
+              <a:rPr lang="en-US" dirty="0" err="1" smtClean="0"/>
+              <a:t>meuse</a:t>
+            </a:r>
+            <a:r>
+              <a:rPr lang="en-US" dirty="0" smtClean="0"/>
+              <a:t>)</a:t>
+            </a:r>
+          </a:p>
+          <a:p>
+            <a:pPr lvl="1"/>
+            <a:r>
+              <a:rPr lang="en-US" dirty="0" smtClean="0"/>
+              <a:t>head(</a:t>
+            </a:r>
+            <a:r>
+              <a:rPr lang="en-US" dirty="0" err="1" smtClean="0"/>
+              <a:t>meuse</a:t>
+            </a:r>
+            <a:r>
+              <a:rPr lang="en-US" dirty="0" smtClean="0"/>
+              <a:t>[4])</a:t>
+            </a:r>
+          </a:p>
+          <a:p>
+            <a:pPr lvl="1"/>
+            <a:r>
+              <a:rPr lang="en-US" dirty="0" smtClean="0"/>
+              <a:t>coordinates(</a:t>
+            </a:r>
+            <a:r>
+              <a:rPr lang="en-US" dirty="0" err="1" smtClean="0"/>
+              <a:t>meuse</a:t>
+            </a:r>
+            <a:r>
+              <a:rPr lang="en-US" dirty="0" smtClean="0"/>
+              <a:t>) &lt;- c(“x”, “y”)</a:t>
+            </a:r>
+          </a:p>
+          <a:p>
+            <a:pPr lvl="1"/>
+            <a:r>
+              <a:rPr lang="en-US" dirty="0" smtClean="0"/>
+              <a:t>head(</a:t>
+            </a:r>
+            <a:r>
+              <a:rPr lang="en-US" dirty="0" err="1" smtClean="0"/>
+              <a:t>meuse</a:t>
+            </a:r>
+            <a:r>
+              <a:rPr lang="en-US" dirty="0" smtClean="0"/>
+              <a:t>[4])</a:t>
+            </a:r>
+          </a:p>
+          <a:p>
+            <a:pPr lvl="1"/>
+            <a:endParaRPr lang="en-US" dirty="0"/>
+          </a:p>
+          <a:p>
+            <a:pPr lvl="1"/>
+            <a:endParaRPr lang="en-US" dirty="0" smtClean="0"/>
+          </a:p>
+          <a:p>
+            <a:pPr marL="0" indent="0">
+              <a:buNone/>
+            </a:pPr>
+            <a:r>
+              <a:rPr lang="en-US" dirty="0" smtClean="0"/>
+              <a:t>* wherein evil is defined as unnecessarily making it possible to make mistakes without knowing it</a:t>
+            </a:r>
+          </a:p>
+        </p:txBody>
+      </p:sp>
+    </p:spTree>
+    <p:extLst>
+      <p:ext uri="{BB962C8B-B14F-4D97-AF65-F5344CB8AC3E}">
+        <p14:creationId xmlns:p14="http://schemas.microsoft.com/office/powerpoint/2010/main" val="2615846009"/>
+      </p:ext>
+    </p:extLst>
+  </p:cSld>
+  <p:clrMapOvr>
+    <a:masterClrMapping/>
+  </p:clrMapOvr>
+  <p:timing>
+    <p:tnLst>
+      <p:par>
+        <p:cTn xmlns:p14="http://schemas.microsoft.com/office/powerpoint/2010/main" id="1" dur="indefinite" restart="never" nodeType="tmRoot"/>
+      </p:par>
+    </p:tnLst>
+  </p:timing>
+</p:sld>
+</file>
+
 <file path=ppt/slides/slide22.xml><?xml version="1.0" encoding="utf-8"?>
 <p:sld xmlns:a="http://schemas.openxmlformats.org/drawingml/2006/main" xmlns:r="http://schemas.openxmlformats.org/officeDocument/2006/relationships" xmlns:p="http://schemas.openxmlformats.org/presentationml/2006/main">
   <p:cSld>
@@ -6416,21 +6417,13 @@
         <p:spPr/>
         <p:txBody>
           <a:bodyPr>
-            <a:normAutofit fontScale="90000"/>
+            <a:normAutofit/>
           </a:bodyPr>
           <a:lstStyle/>
           <a:p>
             <a:r>
-              <a:rPr lang="en-US" dirty="0" smtClean="0"/>
-              <a:t>Aside: why the </a:t>
-            </a:r>
-            <a:r>
               <a:rPr lang="en-US" dirty="0" err="1" smtClean="0"/>
-              <a:t>sp</a:t>
-            </a:r>
-            <a:r>
-              <a:rPr lang="en-US" dirty="0" smtClean="0"/>
-              <a:t> package, which is generally awesome, makes me angry</a:t>
+              <a:t>SpatialPointsDataFrame</a:t>
             </a:r>
             <a:endParaRPr lang="en-US" dirty="0"/>
           </a:p>
@@ -6449,40 +6442,105 @@
         <p:spPr/>
         <p:txBody>
           <a:bodyPr>
-            <a:normAutofit fontScale="77500" lnSpcReduction="20000"/>
+            <a:normAutofit fontScale="85000" lnSpcReduction="20000"/>
           </a:bodyPr>
           <a:lstStyle/>
           <a:p>
             <a:r>
               <a:rPr lang="en-US" dirty="0" smtClean="0"/>
-              <a:t>Caveat: the following is just my opinion</a:t>
-            </a:r>
-          </a:p>
-          <a:p>
+              <a:t>S4 object</a:t>
+            </a:r>
+          </a:p>
+          <a:p>
+            <a:pPr lvl="1"/>
+            <a:r>
+              <a:rPr lang="en-US" dirty="0" smtClean="0"/>
+              <a:t>‘slots’</a:t>
+            </a:r>
+          </a:p>
+          <a:p>
+            <a:pPr lvl="1"/>
+            <a:r>
+              <a:rPr lang="en-US" dirty="0" smtClean="0"/>
+              <a:t>head(</a:t>
+            </a:r>
+            <a:r>
+              <a:rPr lang="en-US" dirty="0" err="1" smtClean="0"/>
+              <a:t>meuse@data</a:t>
+            </a:r>
+            <a:r>
+              <a:rPr lang="en-US" dirty="0" smtClean="0"/>
+              <a:t>)</a:t>
+            </a:r>
+          </a:p>
+          <a:p>
+            <a:pPr lvl="1"/>
             <a:endParaRPr lang="en-US" dirty="0" smtClean="0"/>
           </a:p>
           <a:p>
             <a:r>
               <a:rPr lang="en-US" dirty="0" smtClean="0"/>
-              <a:t>Quietly changing the underlying type of an object is </a:t>
-            </a:r>
-            <a:r>
-              <a:rPr lang="en-US" i="1" dirty="0" smtClean="0"/>
-              <a:t>evil*</a:t>
-            </a:r>
-            <a:endParaRPr lang="en-US" i="1" dirty="0"/>
-          </a:p>
-          <a:p>
-            <a:r>
-              <a:rPr lang="en-US" dirty="0" smtClean="0"/>
-              <a:t>For example, try this:</a:t>
+              <a:t>Use @</a:t>
+            </a:r>
+            <a:r>
+              <a:rPr lang="en-US" dirty="0" err="1" smtClean="0"/>
+              <a:t>coords</a:t>
+            </a:r>
+            <a:r>
+              <a:rPr lang="en-US" dirty="0" smtClean="0"/>
+              <a:t> to get back to the x and y values:</a:t>
             </a:r>
           </a:p>
           <a:p>
             <a:pPr lvl="1"/>
             <a:r>
               <a:rPr lang="en-US" dirty="0" smtClean="0"/>
-              <a:t>data(</a:t>
+              <a:t>plot(</a:t>
+            </a:r>
+            <a:r>
+              <a:rPr lang="en-US" dirty="0" err="1" smtClean="0"/>
+              <a:t>meuse@coords</a:t>
+            </a:r>
+            <a:r>
+              <a:rPr lang="en-US" dirty="0" smtClean="0"/>
+              <a:t>[,1], </a:t>
+            </a:r>
+            <a:r>
+              <a:rPr lang="en-US" dirty="0" err="1" smtClean="0"/>
+              <a:t>meuse@coords</a:t>
+            </a:r>
+            <a:r>
+              <a:rPr lang="en-US" dirty="0" smtClean="0"/>
+              <a:t>[,2])</a:t>
+            </a:r>
+          </a:p>
+          <a:p>
+            <a:pPr lvl="1"/>
+            <a:endParaRPr lang="en-US" dirty="0" smtClean="0"/>
+          </a:p>
+          <a:p>
+            <a:r>
+              <a:rPr lang="en-US" dirty="0" smtClean="0"/>
+              <a:t>Note for plotting: </a:t>
+            </a:r>
+            <a:r>
+              <a:rPr lang="en-US" dirty="0" err="1" smtClean="0"/>
+              <a:t>spplot</a:t>
+            </a:r>
+            <a:r>
+              <a:rPr lang="en-US" dirty="0" smtClean="0"/>
+              <a:t> also available:</a:t>
+            </a:r>
+          </a:p>
+          <a:p>
+            <a:pPr lvl="1"/>
+            <a:r>
+              <a:rPr lang="en-US" dirty="0" err="1" smtClean="0"/>
+              <a:t>spplot</a:t>
+            </a:r>
+            <a:r>
+              <a:rPr lang="en-US" dirty="0" smtClean="0"/>
+              <a:t>(</a:t>
             </a:r>
             <a:r>
               <a:rPr lang="en-US" dirty="0" err="1" smtClean="0"/>
@@ -6496,8 +6554,12 @@
           <a:p>
             <a:pPr lvl="1"/>
             <a:r>
-              <a:rPr lang="en-US" dirty="0" smtClean="0"/>
-              <a:t>head(</a:t>
+              <a:rPr lang="en-US" dirty="0" err="1" smtClean="0"/>
+              <a:t>spplot</a:t>
+            </a:r>
+            <a:r>
+              <a:rPr lang="en-US" dirty="0" smtClean="0"/>
+              <a:t>(</a:t>
             </a:r>
             <a:r>
               <a:rPr lang="en-US" dirty="0" err="1" smtClean="0"/>
@@ -6505,62 +6567,23 @@
             </a:r>
             <a:r>
               <a:rPr lang="en-US" dirty="0" smtClean="0"/>
-              <a:t>[4])</a:t>
+              <a:t>, “copper”)</a:t>
             </a:r>
           </a:p>
           <a:p>
             <a:pPr lvl="1"/>
             <a:r>
               <a:rPr lang="en-US" dirty="0" smtClean="0"/>
-              <a:t>coordinates(</a:t>
-            </a:r>
-            <a:r>
-              <a:rPr lang="en-US" dirty="0" err="1" smtClean="0"/>
-              <a:t>meuse</a:t>
-            </a:r>
-            <a:r>
-              <a:rPr lang="en-US" dirty="0" smtClean="0"/>
-              <a:t>) &lt;- c(“x”, “y”)</a:t>
-            </a:r>
-          </a:p>
-          <a:p>
-            <a:pPr lvl="1"/>
-            <a:r>
-              <a:rPr lang="en-US" dirty="0" smtClean="0"/>
-              <a:t>head(</a:t>
-            </a:r>
-            <a:r>
-              <a:rPr lang="en-US" dirty="0" err="1" smtClean="0"/>
-              <a:t>meuse</a:t>
-            </a:r>
-            <a:r>
-              <a:rPr lang="en-US" dirty="0" smtClean="0"/>
-              <a:t>[4])</a:t>
-            </a:r>
-          </a:p>
-          <a:p>
-            <a:pPr lvl="1"/>
+              <a:t>Does this look more like what we might want?  Maybe…</a:t>
+            </a:r>
             <a:endParaRPr lang="en-US" dirty="0"/>
-          </a:p>
-          <a:p>
-            <a:pPr lvl="1"/>
-            <a:endParaRPr lang="en-US" dirty="0" smtClean="0"/>
-          </a:p>
-          <a:p>
-            <a:pPr marL="0" indent="0">
-              <a:buNone/>
-            </a:pPr>
-            <a:r>
-              <a:rPr lang="en-US" dirty="0" smtClean="0"/>
-              <a:t>* wherein evil is defined as unnecessarily making it possible to make mistakes without knowing it</a:t>
-            </a:r>
           </a:p>
         </p:txBody>
       </p:sp>
     </p:spTree>
     <p:extLst>
       <p:ext uri="{BB962C8B-B14F-4D97-AF65-F5344CB8AC3E}">
-        <p14:creationId xmlns:p14="http://schemas.microsoft.com/office/powerpoint/2010/main" val="2615846009"/>
+        <p14:creationId xmlns:p14="http://schemas.microsoft.com/office/powerpoint/2010/main" val="309848440"/>
       </p:ext>
     </p:extLst>
   </p:cSld>
@@ -6570,7 +6593,7 @@
   <p:timing>
     <p:tnLst>
       <p:par>
-        <p:cTn id="1" dur="indefinite" restart="never" nodeType="tmRoot"/>
+        <p:cTn xmlns:p14="http://schemas.microsoft.com/office/powerpoint/2010/main" id="1" dur="indefinite" restart="never" nodeType="tmRoot"/>
       </p:par>
     </p:tnLst>
   </p:timing>
@@ -6612,219 +6635,6 @@
           <a:lstStyle/>
           <a:p>
             <a:r>
-              <a:rPr lang="en-US" dirty="0" err="1" smtClean="0"/>
-              <a:t>SpatialPointsDataFrame</a:t>
-            </a:r>
-            <a:endParaRPr lang="en-US" dirty="0"/>
-          </a:p>
-        </p:txBody>
-      </p:sp>
-      <p:sp>
-        <p:nvSpPr>
-          <p:cNvPr id="3" name="Content Placeholder 2"/>
-          <p:cNvSpPr>
-            <a:spLocks noGrp="1"/>
-          </p:cNvSpPr>
-          <p:nvPr>
-            <p:ph idx="1"/>
-          </p:nvPr>
-        </p:nvSpPr>
-        <p:spPr/>
-        <p:txBody>
-          <a:bodyPr>
-            <a:normAutofit fontScale="85000" lnSpcReduction="20000"/>
-          </a:bodyPr>
-          <a:lstStyle/>
-          <a:p>
-            <a:r>
-              <a:rPr lang="en-US" dirty="0" smtClean="0"/>
-              <a:t>S4 object</a:t>
-            </a:r>
-          </a:p>
-          <a:p>
-            <a:pPr lvl="1"/>
-            <a:r>
-              <a:rPr lang="en-US" dirty="0" smtClean="0"/>
-              <a:t>‘slots’</a:t>
-            </a:r>
-          </a:p>
-          <a:p>
-            <a:pPr lvl="1"/>
-            <a:r>
-              <a:rPr lang="en-US" dirty="0" smtClean="0"/>
-              <a:t>head(</a:t>
-            </a:r>
-            <a:r>
-              <a:rPr lang="en-US" dirty="0" err="1" smtClean="0"/>
-              <a:t>meuse@data</a:t>
-            </a:r>
-            <a:r>
-              <a:rPr lang="en-US" dirty="0" smtClean="0"/>
-              <a:t>)</a:t>
-            </a:r>
-          </a:p>
-          <a:p>
-            <a:pPr lvl="1"/>
-            <a:endParaRPr lang="en-US" dirty="0" smtClean="0"/>
-          </a:p>
-          <a:p>
-            <a:r>
-              <a:rPr lang="en-US" dirty="0" smtClean="0"/>
-              <a:t>Use @</a:t>
-            </a:r>
-            <a:r>
-              <a:rPr lang="en-US" dirty="0" err="1" smtClean="0"/>
-              <a:t>coords</a:t>
-            </a:r>
-            <a:r>
-              <a:rPr lang="en-US" dirty="0" smtClean="0"/>
-              <a:t> to get back to the x and y values:</a:t>
-            </a:r>
-          </a:p>
-          <a:p>
-            <a:pPr lvl="1"/>
-            <a:r>
-              <a:rPr lang="en-US" dirty="0" smtClean="0"/>
-              <a:t>plot(</a:t>
-            </a:r>
-            <a:r>
-              <a:rPr lang="en-US" dirty="0" err="1" smtClean="0"/>
-              <a:t>meuse@coords</a:t>
-            </a:r>
-            <a:r>
-              <a:rPr lang="en-US" dirty="0" smtClean="0"/>
-              <a:t>[,1], </a:t>
-            </a:r>
-            <a:r>
-              <a:rPr lang="en-US" dirty="0" err="1" smtClean="0"/>
-              <a:t>meuse@coords</a:t>
-            </a:r>
-            <a:r>
-              <a:rPr lang="en-US" dirty="0" smtClean="0"/>
-              <a:t>[,2])</a:t>
-            </a:r>
-          </a:p>
-          <a:p>
-            <a:pPr lvl="1"/>
-            <a:endParaRPr lang="en-US" dirty="0" smtClean="0"/>
-          </a:p>
-          <a:p>
-            <a:r>
-              <a:rPr lang="en-US" dirty="0" smtClean="0"/>
-              <a:t>Note for plotting: </a:t>
-            </a:r>
-            <a:r>
-              <a:rPr lang="en-US" dirty="0" err="1" smtClean="0"/>
-              <a:t>spplot</a:t>
-            </a:r>
-            <a:r>
-              <a:rPr lang="en-US" dirty="0" smtClean="0"/>
-              <a:t> also available:</a:t>
-            </a:r>
-          </a:p>
-          <a:p>
-            <a:pPr lvl="1"/>
-            <a:r>
-              <a:rPr lang="en-US" dirty="0" err="1" smtClean="0"/>
-              <a:t>spplot</a:t>
-            </a:r>
-            <a:r>
-              <a:rPr lang="en-US" dirty="0" smtClean="0"/>
-              <a:t>(</a:t>
-            </a:r>
-            <a:r>
-              <a:rPr lang="en-US" dirty="0" err="1" smtClean="0"/>
-              <a:t>meuse</a:t>
-            </a:r>
-            <a:r>
-              <a:rPr lang="en-US" dirty="0" smtClean="0"/>
-              <a:t>)</a:t>
-            </a:r>
-          </a:p>
-          <a:p>
-            <a:pPr lvl="1"/>
-            <a:r>
-              <a:rPr lang="en-US" dirty="0" err="1" smtClean="0"/>
-              <a:t>spplot</a:t>
-            </a:r>
-            <a:r>
-              <a:rPr lang="en-US" dirty="0" smtClean="0"/>
-              <a:t>(</a:t>
-            </a:r>
-            <a:r>
-              <a:rPr lang="en-US" dirty="0" err="1" smtClean="0"/>
-              <a:t>meuse</a:t>
-            </a:r>
-            <a:r>
-              <a:rPr lang="en-US" dirty="0" smtClean="0"/>
-              <a:t>, “copper”)</a:t>
-            </a:r>
-          </a:p>
-          <a:p>
-            <a:pPr lvl="1"/>
-            <a:r>
-              <a:rPr lang="en-US" dirty="0" smtClean="0"/>
-              <a:t>Does this look more like what we might want?  Maybe…</a:t>
-            </a:r>
-            <a:endParaRPr lang="en-US" dirty="0"/>
-          </a:p>
-        </p:txBody>
-      </p:sp>
-    </p:spTree>
-    <p:extLst>
-      <p:ext uri="{BB962C8B-B14F-4D97-AF65-F5344CB8AC3E}">
-        <p14:creationId xmlns:p14="http://schemas.microsoft.com/office/powerpoint/2010/main" val="309848440"/>
-      </p:ext>
-    </p:extLst>
-  </p:cSld>
-  <p:clrMapOvr>
-    <a:masterClrMapping/>
-  </p:clrMapOvr>
-  <p:timing>
-    <p:tnLst>
-      <p:par>
-        <p:cTn id="1" dur="indefinite" restart="never" nodeType="tmRoot"/>
-      </p:par>
-    </p:tnLst>
-  </p:timing>
-</p:sld>
-</file>
-
-<file path=ppt/slides/slide24.xml><?xml version="1.0" encoding="utf-8"?>
-<p:sld xmlns:a="http://schemas.openxmlformats.org/drawingml/2006/main" xmlns:r="http://schemas.openxmlformats.org/officeDocument/2006/relationships" xmlns:p="http://schemas.openxmlformats.org/presentationml/2006/main">
-  <p:cSld>
-    <p:spTree>
-      <p:nvGrpSpPr>
-        <p:cNvPr id="1" name=""/>
-        <p:cNvGrpSpPr/>
-        <p:nvPr/>
-      </p:nvGrpSpPr>
-      <p:grpSpPr>
-        <a:xfrm>
-          <a:off x="0" y="0"/>
-          <a:ext cx="0" cy="0"/>
-          <a:chOff x="0" y="0"/>
-          <a:chExt cx="0" cy="0"/>
-        </a:xfrm>
-      </p:grpSpPr>
-      <p:sp>
-        <p:nvSpPr>
-          <p:cNvPr id="2" name="Title 1"/>
-          <p:cNvSpPr>
-            <a:spLocks noGrp="1"/>
-          </p:cNvSpPr>
-          <p:nvPr>
-            <p:ph type="title"/>
-          </p:nvPr>
-        </p:nvSpPr>
-        <p:spPr/>
-        <p:txBody>
-          <a:bodyPr>
-            <a:normAutofit/>
-          </a:bodyPr>
-          <a:lstStyle/>
-          <a:p>
-            <a:r>
               <a:rPr lang="en-US" dirty="0" smtClean="0"/>
               <a:t>Spatial Interpolation</a:t>
             </a:r>
@@ -7181,14 +6991,14 @@
   <p:timing>
     <p:tnLst>
       <p:par>
-        <p:cTn id="1" dur="indefinite" restart="never" nodeType="tmRoot"/>
+        <p:cTn xmlns:p14="http://schemas.microsoft.com/office/powerpoint/2010/main" id="1" dur="indefinite" restart="never" nodeType="tmRoot"/>
       </p:par>
     </p:tnLst>
   </p:timing>
 </p:sld>
 </file>
 
-<file path=ppt/slides/slide25.xml><?xml version="1.0" encoding="utf-8"?>
+<file path=ppt/slides/slide24.xml><?xml version="1.0" encoding="utf-8"?>
 <p:sld xmlns:a="http://schemas.openxmlformats.org/drawingml/2006/main" xmlns:r="http://schemas.openxmlformats.org/officeDocument/2006/relationships" xmlns:p="http://schemas.openxmlformats.org/presentationml/2006/main">
   <p:cSld>
     <p:spTree>
@@ -7311,14 +7121,14 @@
             <a:noFill/>
           </a:ln>
           <a:extLst>
-            <a:ext uri="{909E8E84-426E-40DD-AFC4-6F175D3DCCD1}">
+            <a:ext uri="{909E8E84-426E-40dd-AFC4-6F175D3DCCD1}">
               <a14:hiddenFill xmlns:a14="http://schemas.microsoft.com/office/drawing/2010/main">
                 <a:solidFill>
                   <a:schemeClr val="accent1"/>
                 </a:solidFill>
               </a14:hiddenFill>
             </a:ext>
-            <a:ext uri="{91240B29-F687-4F45-9708-019B960494DF}">
+            <a:ext uri="{91240B29-F687-4f45-9708-019B960494DF}">
               <a14:hiddenLine xmlns:a14="http://schemas.microsoft.com/office/drawing/2010/main" w="9525">
                 <a:solidFill>
                   <a:schemeClr val="tx1"/>
@@ -7355,7 +7165,15 @@
           <a:p>
             <a:r>
               <a:rPr lang="en-US" dirty="0" smtClean="0"/>
-              <a:t>Remember: you can get a PhD in geography.  Though we who are getting PhDs in epidemiology probably won’t.</a:t>
+              <a:t>Remember: you can get a PhD in geography.  Though we who </a:t>
+            </a:r>
+            <a:r>
+              <a:rPr lang="en-US" dirty="0" smtClean="0"/>
+              <a:t>have or are </a:t>
+            </a:r>
+            <a:r>
+              <a:rPr lang="en-US" dirty="0" smtClean="0"/>
+              <a:t>getting PhDs in epidemiology probably won’t.</a:t>
             </a:r>
             <a:endParaRPr lang="en-US" dirty="0"/>
           </a:p>
@@ -7374,7 +7192,148 @@
   <p:timing>
     <p:tnLst>
       <p:par>
-        <p:cTn id="1" dur="indefinite" restart="never" nodeType="tmRoot"/>
+        <p:cTn xmlns:p14="http://schemas.microsoft.com/office/powerpoint/2010/main" id="1" dur="indefinite" restart="never" nodeType="tmRoot"/>
+      </p:par>
+    </p:tnLst>
+  </p:timing>
+</p:sld>
+</file>
+
+<file path=ppt/slides/slide25.xml><?xml version="1.0" encoding="utf-8"?>
+<p:sld xmlns:a="http://schemas.openxmlformats.org/drawingml/2006/main" xmlns:r="http://schemas.openxmlformats.org/officeDocument/2006/relationships" xmlns:p="http://schemas.openxmlformats.org/presentationml/2006/main">
+  <p:cSld>
+    <p:spTree>
+      <p:nvGrpSpPr>
+        <p:cNvPr id="1" name=""/>
+        <p:cNvGrpSpPr/>
+        <p:nvPr/>
+      </p:nvGrpSpPr>
+      <p:grpSpPr>
+        <a:xfrm>
+          <a:off x="0" y="0"/>
+          <a:ext cx="0" cy="0"/>
+          <a:chOff x="0" y="0"/>
+          <a:chExt cx="0" cy="0"/>
+        </a:xfrm>
+      </p:grpSpPr>
+      <p:sp>
+        <p:nvSpPr>
+          <p:cNvPr id="2" name="Title 1"/>
+          <p:cNvSpPr>
+            <a:spLocks noGrp="1"/>
+          </p:cNvSpPr>
+          <p:nvPr>
+            <p:ph type="title"/>
+          </p:nvPr>
+        </p:nvSpPr>
+        <p:spPr/>
+        <p:txBody>
+          <a:bodyPr>
+            <a:normAutofit fontScale="90000"/>
+          </a:bodyPr>
+          <a:lstStyle/>
+          <a:p>
+            <a:r>
+              <a:rPr lang="en-US" dirty="0" smtClean="0"/>
+              <a:t>Things you can do with spatially aware objects</a:t>
+            </a:r>
+            <a:endParaRPr lang="en-US" dirty="0"/>
+          </a:p>
+        </p:txBody>
+      </p:sp>
+      <p:sp>
+        <p:nvSpPr>
+          <p:cNvPr id="3" name="Content Placeholder 2"/>
+          <p:cNvSpPr>
+            <a:spLocks noGrp="1"/>
+          </p:cNvSpPr>
+          <p:nvPr>
+            <p:ph idx="1"/>
+          </p:nvPr>
+        </p:nvSpPr>
+        <p:spPr/>
+        <p:txBody>
+          <a:bodyPr/>
+          <a:lstStyle/>
+          <a:p>
+            <a:r>
+              <a:rPr lang="en-US" dirty="0" smtClean="0"/>
+              <a:t>Creating datasets</a:t>
+            </a:r>
+          </a:p>
+          <a:p>
+            <a:pPr lvl="1"/>
+            <a:r>
+              <a:rPr lang="en-US" dirty="0" smtClean="0"/>
+              <a:t>E.g. via spatial merge </a:t>
+            </a:r>
+          </a:p>
+          <a:p>
+            <a:r>
+              <a:rPr lang="en-US" dirty="0" smtClean="0"/>
+              <a:t>Spatial statistics</a:t>
+            </a:r>
+          </a:p>
+          <a:p>
+            <a:pPr lvl="1"/>
+            <a:r>
+              <a:rPr lang="en-US" dirty="0" smtClean="0"/>
+              <a:t>E.g. cases/zip code</a:t>
+            </a:r>
+          </a:p>
+          <a:p>
+            <a:r>
+              <a:rPr lang="en-US" dirty="0" smtClean="0"/>
+              <a:t>Spatial interpolation </a:t>
+            </a:r>
+          </a:p>
+          <a:p>
+            <a:pPr lvl="1"/>
+            <a:r>
+              <a:rPr lang="en-US" dirty="0" smtClean="0"/>
+              <a:t>E.g. </a:t>
+            </a:r>
+            <a:r>
+              <a:rPr lang="en-US" dirty="0" err="1" smtClean="0"/>
+              <a:t>kriging</a:t>
+            </a:r>
+            <a:endParaRPr lang="en-US" dirty="0" smtClean="0"/>
+          </a:p>
+          <a:p>
+            <a:r>
+              <a:rPr lang="en-US" dirty="0" smtClean="0"/>
+              <a:t>Etc.</a:t>
+            </a:r>
+            <a:endParaRPr lang="en-US" dirty="0"/>
+          </a:p>
+          <a:p>
+            <a:r>
+              <a:rPr lang="en-US" dirty="0" smtClean="0"/>
+              <a:t>Again, Geography is its own discipline</a:t>
+            </a:r>
+          </a:p>
+          <a:p>
+            <a:pPr marL="457200" lvl="1" indent="0">
+              <a:buNone/>
+            </a:pPr>
+            <a:endParaRPr lang="en-US" dirty="0"/>
+          </a:p>
+        </p:txBody>
+      </p:sp>
+    </p:spTree>
+    <p:extLst>
+      <p:ext uri="{BB962C8B-B14F-4D97-AF65-F5344CB8AC3E}">
+        <p14:creationId xmlns:p14="http://schemas.microsoft.com/office/powerpoint/2010/main" val="909421695"/>
+      </p:ext>
+    </p:extLst>
+  </p:cSld>
+  <p:clrMapOvr>
+    <a:masterClrMapping/>
+  </p:clrMapOvr>
+  <p:timing>
+    <p:tnLst>
+      <p:par>
+        <p:cTn xmlns:p14="http://schemas.microsoft.com/office/powerpoint/2010/main" id="1" dur="indefinite" restart="never" nodeType="tmRoot"/>
       </p:par>
     </p:tnLst>
   </p:timing>
@@ -7410,14 +7369,16 @@
         </p:nvSpPr>
         <p:spPr/>
         <p:txBody>
-          <a:bodyPr>
-            <a:normAutofit fontScale="90000"/>
-          </a:bodyPr>
-          <a:lstStyle/>
-          <a:p>
-            <a:r>
-              <a:rPr lang="en-US" dirty="0" smtClean="0"/>
-              <a:t>Things you can do with spatially aware objects</a:t>
+          <a:bodyPr/>
+          <a:lstStyle/>
+          <a:p>
+            <a:r>
+              <a:rPr lang="en-US" dirty="0"/>
+              <a:t>G</a:t>
+            </a:r>
+            <a:r>
+              <a:rPr lang="en-US" dirty="0" smtClean="0"/>
+              <a:t>eocoding</a:t>
             </a:r>
             <a:endParaRPr lang="en-US" dirty="0"/>
           </a:p>
@@ -7440,72 +7401,59 @@
           <a:p>
             <a:r>
               <a:rPr lang="en-US" dirty="0" smtClean="0"/>
-              <a:t>Creating datasets</a:t>
+              <a:t>In a lot of datasets, you have an address and want to do something spatial with it</a:t>
             </a:r>
           </a:p>
           <a:p>
             <a:pPr lvl="1"/>
             <a:r>
               <a:rPr lang="en-US" dirty="0" smtClean="0"/>
-              <a:t>E.g. via spatial merge </a:t>
-            </a:r>
-          </a:p>
-          <a:p>
-            <a:r>
-              <a:rPr lang="en-US" dirty="0" smtClean="0"/>
-              <a:t>Spatial statistics</a:t>
+              <a:t>E.g. you want census data for residential neighborhood</a:t>
             </a:r>
           </a:p>
           <a:p>
             <a:pPr lvl="1"/>
             <a:r>
               <a:rPr lang="en-US" dirty="0" smtClean="0"/>
-              <a:t>E.g. cases/zip code</a:t>
-            </a:r>
-          </a:p>
-          <a:p>
-            <a:r>
-              <a:rPr lang="en-US" dirty="0" smtClean="0"/>
-              <a:t>Spatial interpolation </a:t>
+              <a:t>Solution: get (</a:t>
+            </a:r>
+            <a:r>
+              <a:rPr lang="en-US" dirty="0" err="1" smtClean="0"/>
+              <a:t>lat</a:t>
+            </a:r>
+            <a:r>
+              <a:rPr lang="en-US" dirty="0" smtClean="0"/>
+              <a:t>, long), from the address then do spatial merge with Census data</a:t>
             </a:r>
           </a:p>
           <a:p>
             <a:pPr lvl="1"/>
             <a:r>
               <a:rPr lang="en-US" dirty="0" smtClean="0"/>
-              <a:t>E.g. </a:t>
+              <a:t>Getting (</a:t>
             </a:r>
             <a:r>
               <a:rPr lang="en-US" dirty="0" err="1" smtClean="0"/>
-              <a:t>kriging</a:t>
-            </a:r>
-            <a:endParaRPr lang="en-US" dirty="0" smtClean="0"/>
-          </a:p>
-          <a:p>
-            <a:r>
-              <a:rPr lang="en-US" dirty="0" smtClean="0"/>
-              <a:t>Etc.</a:t>
-            </a:r>
-            <a:endParaRPr lang="en-US" dirty="0"/>
-          </a:p>
-          <a:p>
-            <a:r>
-              <a:rPr lang="en-US" dirty="0" smtClean="0"/>
-              <a:t>Again, Geography is its own discipline</a:t>
-            </a:r>
-          </a:p>
-          <a:p>
-            <a:pPr marL="457200" lvl="1" indent="0">
-              <a:buNone/>
-            </a:pPr>
-            <a:endParaRPr lang="en-US" dirty="0"/>
+              <a:t>lat,long</a:t>
+            </a:r>
+            <a:r>
+              <a:rPr lang="en-US" dirty="0" smtClean="0"/>
+              <a:t>) from an address is called geocoding</a:t>
+            </a:r>
+          </a:p>
+          <a:p>
+            <a:pPr lvl="1"/>
+            <a:r>
+              <a:rPr lang="en-US" dirty="0" smtClean="0"/>
+              <a:t>Any guesses as to what reverse geocoding is?</a:t>
+            </a:r>
           </a:p>
         </p:txBody>
       </p:sp>
     </p:spTree>
     <p:extLst>
       <p:ext uri="{BB962C8B-B14F-4D97-AF65-F5344CB8AC3E}">
-        <p14:creationId xmlns:p14="http://schemas.microsoft.com/office/powerpoint/2010/main" val="909421695"/>
+        <p14:creationId xmlns:p14="http://schemas.microsoft.com/office/powerpoint/2010/main" val="750864476"/>
       </p:ext>
     </p:extLst>
   </p:cSld>
@@ -7515,7 +7463,7 @@
   <p:timing>
     <p:tnLst>
       <p:par>
-        <p:cTn id="1" dur="indefinite" restart="never" nodeType="tmRoot"/>
+        <p:cTn xmlns:p14="http://schemas.microsoft.com/office/powerpoint/2010/main" id="1" dur="indefinite" restart="never" nodeType="tmRoot"/>
       </p:par>
     </p:tnLst>
   </p:timing>
@@ -7555,136 +7503,6 @@
           <a:lstStyle/>
           <a:p>
             <a:r>
-              <a:rPr lang="en-US" dirty="0"/>
-              <a:t>G</a:t>
-            </a:r>
-            <a:r>
-              <a:rPr lang="en-US" dirty="0" smtClean="0"/>
-              <a:t>eocoding</a:t>
-            </a:r>
-            <a:endParaRPr lang="en-US" dirty="0"/>
-          </a:p>
-        </p:txBody>
-      </p:sp>
-      <p:sp>
-        <p:nvSpPr>
-          <p:cNvPr id="3" name="Content Placeholder 2"/>
-          <p:cNvSpPr>
-            <a:spLocks noGrp="1"/>
-          </p:cNvSpPr>
-          <p:nvPr>
-            <p:ph idx="1"/>
-          </p:nvPr>
-        </p:nvSpPr>
-        <p:spPr/>
-        <p:txBody>
-          <a:bodyPr/>
-          <a:lstStyle/>
-          <a:p>
-            <a:r>
-              <a:rPr lang="en-US" dirty="0" smtClean="0"/>
-              <a:t>In a lot of datasets, you have an address and want to do something spatial with it</a:t>
-            </a:r>
-          </a:p>
-          <a:p>
-            <a:pPr lvl="1"/>
-            <a:r>
-              <a:rPr lang="en-US" dirty="0" smtClean="0"/>
-              <a:t>E.g. you want census data for residential neighborhood</a:t>
-            </a:r>
-          </a:p>
-          <a:p>
-            <a:pPr lvl="1"/>
-            <a:r>
-              <a:rPr lang="en-US" dirty="0" smtClean="0"/>
-              <a:t>Solution: get (</a:t>
-            </a:r>
-            <a:r>
-              <a:rPr lang="en-US" dirty="0" err="1" smtClean="0"/>
-              <a:t>lat</a:t>
-            </a:r>
-            <a:r>
-              <a:rPr lang="en-US" dirty="0" smtClean="0"/>
-              <a:t>, long), from the address then do spatial merge with Census data</a:t>
-            </a:r>
-          </a:p>
-          <a:p>
-            <a:pPr lvl="1"/>
-            <a:r>
-              <a:rPr lang="en-US" dirty="0" smtClean="0"/>
-              <a:t>Getting (</a:t>
-            </a:r>
-            <a:r>
-              <a:rPr lang="en-US" dirty="0" err="1" smtClean="0"/>
-              <a:t>lat,long</a:t>
-            </a:r>
-            <a:r>
-              <a:rPr lang="en-US" dirty="0" smtClean="0"/>
-              <a:t>) from an address is called geocoding</a:t>
-            </a:r>
-          </a:p>
-          <a:p>
-            <a:pPr lvl="1"/>
-            <a:r>
-              <a:rPr lang="en-US" dirty="0" smtClean="0"/>
-              <a:t>Any guesses as to what reverse geocoding is?</a:t>
-            </a:r>
-          </a:p>
-        </p:txBody>
-      </p:sp>
-    </p:spTree>
-    <p:extLst>
-      <p:ext uri="{BB962C8B-B14F-4D97-AF65-F5344CB8AC3E}">
-        <p14:creationId xmlns:p14="http://schemas.microsoft.com/office/powerpoint/2010/main" val="750864476"/>
-      </p:ext>
-    </p:extLst>
-  </p:cSld>
-  <p:clrMapOvr>
-    <a:masterClrMapping/>
-  </p:clrMapOvr>
-  <p:timing>
-    <p:tnLst>
-      <p:par>
-        <p:cTn id="1" dur="indefinite" restart="never" nodeType="tmRoot"/>
-      </p:par>
-    </p:tnLst>
-  </p:timing>
-</p:sld>
-</file>
-
-<file path=ppt/slides/slide28.xml><?xml version="1.0" encoding="utf-8"?>
-<p:sld xmlns:a="http://schemas.openxmlformats.org/drawingml/2006/main" xmlns:r="http://schemas.openxmlformats.org/officeDocument/2006/relationships" xmlns:p="http://schemas.openxmlformats.org/presentationml/2006/main">
-  <p:cSld>
-    <p:spTree>
-      <p:nvGrpSpPr>
-        <p:cNvPr id="1" name=""/>
-        <p:cNvGrpSpPr/>
-        <p:nvPr/>
-      </p:nvGrpSpPr>
-      <p:grpSpPr>
-        <a:xfrm>
-          <a:off x="0" y="0"/>
-          <a:ext cx="0" cy="0"/>
-          <a:chOff x="0" y="0"/>
-          <a:chExt cx="0" cy="0"/>
-        </a:xfrm>
-      </p:grpSpPr>
-      <p:sp>
-        <p:nvSpPr>
-          <p:cNvPr id="2" name="Title 1"/>
-          <p:cNvSpPr>
-            <a:spLocks noGrp="1"/>
-          </p:cNvSpPr>
-          <p:nvPr>
-            <p:ph type="title"/>
-          </p:nvPr>
-        </p:nvSpPr>
-        <p:spPr/>
-        <p:txBody>
-          <a:bodyPr/>
-          <a:lstStyle/>
-          <a:p>
-            <a:r>
               <a:rPr lang="en-US" dirty="0" smtClean="0"/>
               <a:t>Geocoding with R using </a:t>
             </a:r>
@@ -7761,8 +7579,13 @@
             </a:r>
             <a:r>
               <a:rPr lang="en-US" dirty="0" smtClean="0"/>
-              <a:t> St.</a:t>
-            </a:r>
+              <a:t> </a:t>
+            </a:r>
+            <a:r>
+              <a:rPr lang="en-US" dirty="0" smtClean="0"/>
+              <a:t>St in New York.</a:t>
+            </a:r>
+            <a:endParaRPr lang="en-US" dirty="0" smtClean="0"/>
           </a:p>
           <a:p>
             <a:endParaRPr lang="en-US" dirty="0"/>
@@ -7807,7 +7630,7 @@
   <p:timing>
     <p:tnLst>
       <p:par>
-        <p:cTn id="1" dur="indefinite" restart="never" nodeType="tmRoot">
+        <p:cTn xmlns:p14="http://schemas.microsoft.com/office/powerpoint/2010/main" id="1" dur="indefinite" restart="never" nodeType="tmRoot">
           <p:childTnLst>
             <p:seq concurrent="1" nextAc="seek">
               <p:cTn id="2" dur="indefinite" nodeType="mainSeq">
@@ -7917,7 +7740,7 @@
 </p:sld>
 </file>
 
-<file path=ppt/slides/slide29.xml><?xml version="1.0" encoding="utf-8"?>
+<file path=ppt/slides/slide28.xml><?xml version="1.0" encoding="utf-8"?>
 <p:sld xmlns:a="http://schemas.openxmlformats.org/drawingml/2006/main" xmlns:r="http://schemas.openxmlformats.org/officeDocument/2006/relationships" xmlns:p="http://schemas.openxmlformats.org/presentationml/2006/main">
   <p:cSld>
     <p:spTree>
@@ -8016,7 +7839,6 @@
               <a:rPr lang="en-US" dirty="0" smtClean="0"/>
               <a:t>) to the Westin in Seattle (SER 2017)</a:t>
             </a:r>
-            <a:endParaRPr lang="en-US" dirty="0" smtClean="0"/>
           </a:p>
           <a:p>
             <a:r>
@@ -8082,11 +7904,7 @@
             </a:r>
             <a:r>
               <a:rPr lang="en-US" dirty="0" smtClean="0"/>
-              <a:t>geocode</a:t>
-            </a:r>
-            <a:r>
-              <a:rPr lang="en-US" dirty="0" smtClean="0"/>
-              <a:t>('Westin Hotel, Seattle, WA')</a:t>
+              <a:t>geocode('Westin Hotel, Seattle, WA')</a:t>
             </a:r>
             <a:endParaRPr lang="en-US" dirty="0"/>
           </a:p>
@@ -8120,7 +7938,7 @@
   <p:timing>
     <p:tnLst>
       <p:par>
-        <p:cTn id="1" dur="indefinite" restart="never" nodeType="tmRoot">
+        <p:cTn xmlns:p14="http://schemas.microsoft.com/office/powerpoint/2010/main" id="1" dur="indefinite" restart="never" nodeType="tmRoot">
           <p:childTnLst>
             <p:seq concurrent="1" nextAc="seek">
               <p:cTn id="2" dur="indefinite" nodeType="mainSeq">
@@ -8292,6 +8110,146 @@
 </p:sld>
 </file>
 
+<file path=ppt/slides/slide29.xml><?xml version="1.0" encoding="utf-8"?>
+<p:sld xmlns:a="http://schemas.openxmlformats.org/drawingml/2006/main" xmlns:r="http://schemas.openxmlformats.org/officeDocument/2006/relationships" xmlns:p="http://schemas.openxmlformats.org/presentationml/2006/main">
+  <p:cSld>
+    <p:spTree>
+      <p:nvGrpSpPr>
+        <p:cNvPr id="1" name=""/>
+        <p:cNvGrpSpPr/>
+        <p:nvPr/>
+      </p:nvGrpSpPr>
+      <p:grpSpPr>
+        <a:xfrm>
+          <a:off x="0" y="0"/>
+          <a:ext cx="0" cy="0"/>
+          <a:chOff x="0" y="0"/>
+          <a:chExt cx="0" cy="0"/>
+        </a:xfrm>
+      </p:grpSpPr>
+      <p:sp>
+        <p:nvSpPr>
+          <p:cNvPr id="2" name="Title 1"/>
+          <p:cNvSpPr>
+            <a:spLocks noGrp="1"/>
+          </p:cNvSpPr>
+          <p:nvPr>
+            <p:ph type="title"/>
+          </p:nvPr>
+        </p:nvSpPr>
+        <p:spPr/>
+        <p:txBody>
+          <a:bodyPr>
+            <a:normAutofit/>
+          </a:bodyPr>
+          <a:lstStyle/>
+          <a:p>
+            <a:r>
+              <a:rPr lang="en-US" dirty="0" smtClean="0"/>
+              <a:t>Geocoding: a caveat</a:t>
+            </a:r>
+            <a:endParaRPr lang="en-US" dirty="0"/>
+          </a:p>
+        </p:txBody>
+      </p:sp>
+      <p:sp>
+        <p:nvSpPr>
+          <p:cNvPr id="3" name="Content Placeholder 2"/>
+          <p:cNvSpPr>
+            <a:spLocks noGrp="1"/>
+          </p:cNvSpPr>
+          <p:nvPr>
+            <p:ph idx="1"/>
+          </p:nvPr>
+        </p:nvSpPr>
+        <p:spPr/>
+        <p:txBody>
+          <a:bodyPr/>
+          <a:lstStyle/>
+          <a:p>
+            <a:r>
+              <a:rPr lang="en-US" dirty="0" smtClean="0"/>
+              <a:t>2 Quick challenges</a:t>
+            </a:r>
+          </a:p>
+          <a:p>
+            <a:endParaRPr lang="en-US" dirty="0"/>
+          </a:p>
+          <a:p>
+            <a:pPr lvl="1"/>
+            <a:r>
+              <a:rPr lang="en-US" dirty="0" smtClean="0"/>
+              <a:t>Use </a:t>
+            </a:r>
+            <a:r>
+              <a:rPr lang="en-US" dirty="0" err="1" smtClean="0"/>
+              <a:t>qmap</a:t>
+            </a:r>
+            <a:r>
+              <a:rPr lang="en-US" dirty="0" smtClean="0"/>
+              <a:t> to get a map of Stein, NL at zoom = 12</a:t>
+            </a:r>
+          </a:p>
+          <a:p>
+            <a:endParaRPr lang="en-US" dirty="0"/>
+          </a:p>
+          <a:p>
+            <a:pPr lvl="1"/>
+            <a:r>
+              <a:rPr lang="en-US" dirty="0" smtClean="0"/>
+              <a:t>Now use </a:t>
+            </a:r>
+            <a:r>
+              <a:rPr lang="en-US" dirty="0" err="1" smtClean="0"/>
+              <a:t>qmap</a:t>
+            </a:r>
+            <a:r>
+              <a:rPr lang="en-US" dirty="0" smtClean="0"/>
+              <a:t> to get a map of </a:t>
+            </a:r>
+            <a:r>
+              <a:rPr lang="en-US" dirty="0" err="1" smtClean="0"/>
+              <a:t>Geleen</a:t>
+            </a:r>
+            <a:r>
+              <a:rPr lang="en-US" dirty="0" smtClean="0"/>
+              <a:t>, NL at zoom = 12.</a:t>
+            </a:r>
+          </a:p>
+          <a:p>
+            <a:pPr lvl="2"/>
+            <a:r>
+              <a:rPr lang="en-US" dirty="0" smtClean="0"/>
+              <a:t>(Does the curve of the river on the left look familiar?)</a:t>
+            </a:r>
+            <a:endParaRPr lang="en-US" dirty="0"/>
+          </a:p>
+          <a:p>
+            <a:pPr lvl="1"/>
+            <a:endParaRPr lang="en-US" dirty="0"/>
+          </a:p>
+        </p:txBody>
+      </p:sp>
+    </p:spTree>
+    <p:extLst>
+      <p:ext uri="{BB962C8B-B14F-4D97-AF65-F5344CB8AC3E}">
+        <p14:creationId xmlns:p14="http://schemas.microsoft.com/office/powerpoint/2010/main" val="2215526215"/>
+      </p:ext>
+    </p:extLst>
+  </p:cSld>
+  <p:clrMapOvr>
+    <a:masterClrMapping/>
+  </p:clrMapOvr>
+  <p:timing>
+    <p:tnLst>
+      <p:par>
+        <p:cTn xmlns:p14="http://schemas.microsoft.com/office/powerpoint/2010/main" id="1" dur="indefinite" restart="never" nodeType="tmRoot"/>
+      </p:par>
+    </p:tnLst>
+  </p:timing>
+</p:sld>
+</file>
+
 <file path=ppt/slides/slide3.xml><?xml version="1.0" encoding="utf-8"?>
 <p:sld xmlns:a="http://schemas.openxmlformats.org/drawingml/2006/main" xmlns:r="http://schemas.openxmlformats.org/officeDocument/2006/relationships" xmlns:p="http://schemas.openxmlformats.org/presentationml/2006/main">
   <p:cSld>
@@ -8326,7 +8284,7 @@
           <a:p>
             <a:r>
               <a:rPr lang="en-US" dirty="0" smtClean="0"/>
-              <a:t>Agenda</a:t>
+              <a:t>Why Spatial R?</a:t>
             </a:r>
             <a:endParaRPr lang="en-US" dirty="0"/>
           </a:p>
@@ -8349,34 +8307,25 @@
           <a:p>
             <a:r>
               <a:rPr lang="en-US" dirty="0" smtClean="0"/>
-              <a:t>Mapping and intro spatial data in R</a:t>
-            </a:r>
-          </a:p>
-          <a:p>
-            <a:r>
-              <a:rPr lang="en-US" dirty="0" smtClean="0"/>
-              <a:t>Break</a:t>
+              <a:t>A lot of data, particularly 'secondary' administrative data are spatially located</a:t>
+            </a:r>
+          </a:p>
+          <a:p>
+            <a:endParaRPr lang="en-US" dirty="0" smtClean="0"/>
+          </a:p>
+          <a:p>
+            <a:r>
+              <a:rPr lang="en-US" dirty="0" smtClean="0"/>
+              <a:t>Digression: My FOIL story</a:t>
             </a:r>
             <a:endParaRPr lang="en-US" dirty="0"/>
-          </a:p>
-          <a:p>
-            <a:r>
-              <a:rPr lang="en-US" dirty="0" smtClean="0"/>
-              <a:t>Work time</a:t>
-            </a:r>
-          </a:p>
-          <a:p>
-            <a:r>
-              <a:rPr lang="en-US" dirty="0"/>
-              <a:t>Concepts in spatial analysis</a:t>
-            </a:r>
           </a:p>
         </p:txBody>
       </p:sp>
     </p:spTree>
     <p:extLst>
       <p:ext uri="{BB962C8B-B14F-4D97-AF65-F5344CB8AC3E}">
-        <p14:creationId xmlns:p14="http://schemas.microsoft.com/office/powerpoint/2010/main" val="1070311215"/>
+        <p14:creationId xmlns:p14="http://schemas.microsoft.com/office/powerpoint/2010/main" val="4065718700"/>
       </p:ext>
     </p:extLst>
   </p:cSld>
@@ -8386,7 +8335,7 @@
   <p:timing>
     <p:tnLst>
       <p:par>
-        <p:cTn id="1" dur="indefinite" restart="never" nodeType="tmRoot"/>
+        <p:cTn xmlns:p14="http://schemas.microsoft.com/office/powerpoint/2010/main" id="1" dur="indefinite" restart="never" nodeType="tmRoot"/>
       </p:par>
     </p:tnLst>
   </p:timing>
@@ -8394,146 +8343,6 @@
 </file>
 
 <file path=ppt/slides/slide30.xml><?xml version="1.0" encoding="utf-8"?>
-<p:sld xmlns:a="http://schemas.openxmlformats.org/drawingml/2006/main" xmlns:r="http://schemas.openxmlformats.org/officeDocument/2006/relationships" xmlns:p="http://schemas.openxmlformats.org/presentationml/2006/main">
-  <p:cSld>
-    <p:spTree>
-      <p:nvGrpSpPr>
-        <p:cNvPr id="1" name=""/>
-        <p:cNvGrpSpPr/>
-        <p:nvPr/>
-      </p:nvGrpSpPr>
-      <p:grpSpPr>
-        <a:xfrm>
-          <a:off x="0" y="0"/>
-          <a:ext cx="0" cy="0"/>
-          <a:chOff x="0" y="0"/>
-          <a:chExt cx="0" cy="0"/>
-        </a:xfrm>
-      </p:grpSpPr>
-      <p:sp>
-        <p:nvSpPr>
-          <p:cNvPr id="2" name="Title 1"/>
-          <p:cNvSpPr>
-            <a:spLocks noGrp="1"/>
-          </p:cNvSpPr>
-          <p:nvPr>
-            <p:ph type="title"/>
-          </p:nvPr>
-        </p:nvSpPr>
-        <p:spPr/>
-        <p:txBody>
-          <a:bodyPr>
-            <a:normAutofit/>
-          </a:bodyPr>
-          <a:lstStyle/>
-          <a:p>
-            <a:r>
-              <a:rPr lang="en-US" dirty="0" smtClean="0"/>
-              <a:t>Geocoding: a caveat</a:t>
-            </a:r>
-            <a:endParaRPr lang="en-US" dirty="0"/>
-          </a:p>
-        </p:txBody>
-      </p:sp>
-      <p:sp>
-        <p:nvSpPr>
-          <p:cNvPr id="3" name="Content Placeholder 2"/>
-          <p:cNvSpPr>
-            <a:spLocks noGrp="1"/>
-          </p:cNvSpPr>
-          <p:nvPr>
-            <p:ph idx="1"/>
-          </p:nvPr>
-        </p:nvSpPr>
-        <p:spPr/>
-        <p:txBody>
-          <a:bodyPr/>
-          <a:lstStyle/>
-          <a:p>
-            <a:r>
-              <a:rPr lang="en-US" dirty="0" smtClean="0"/>
-              <a:t>2 Quick challenges</a:t>
-            </a:r>
-          </a:p>
-          <a:p>
-            <a:endParaRPr lang="en-US" dirty="0"/>
-          </a:p>
-          <a:p>
-            <a:pPr lvl="1"/>
-            <a:r>
-              <a:rPr lang="en-US" dirty="0" smtClean="0"/>
-              <a:t>Use </a:t>
-            </a:r>
-            <a:r>
-              <a:rPr lang="en-US" dirty="0" err="1" smtClean="0"/>
-              <a:t>qmap</a:t>
-            </a:r>
-            <a:r>
-              <a:rPr lang="en-US" dirty="0" smtClean="0"/>
-              <a:t> to get a map of Stein, NL at zoom = 12</a:t>
-            </a:r>
-          </a:p>
-          <a:p>
-            <a:endParaRPr lang="en-US" dirty="0"/>
-          </a:p>
-          <a:p>
-            <a:pPr lvl="1"/>
-            <a:r>
-              <a:rPr lang="en-US" dirty="0" smtClean="0"/>
-              <a:t>Now use </a:t>
-            </a:r>
-            <a:r>
-              <a:rPr lang="en-US" dirty="0" err="1" smtClean="0"/>
-              <a:t>qmap</a:t>
-            </a:r>
-            <a:r>
-              <a:rPr lang="en-US" dirty="0" smtClean="0"/>
-              <a:t> to get a map of </a:t>
-            </a:r>
-            <a:r>
-              <a:rPr lang="en-US" dirty="0" err="1" smtClean="0"/>
-              <a:t>Geleen</a:t>
-            </a:r>
-            <a:r>
-              <a:rPr lang="en-US" dirty="0" smtClean="0"/>
-              <a:t>, NL at zoom = 12.</a:t>
-            </a:r>
-          </a:p>
-          <a:p>
-            <a:pPr lvl="2"/>
-            <a:r>
-              <a:rPr lang="en-US" dirty="0" smtClean="0"/>
-              <a:t>(Does the curve of the river on the left look familiar?)</a:t>
-            </a:r>
-            <a:endParaRPr lang="en-US" dirty="0"/>
-          </a:p>
-          <a:p>
-            <a:pPr lvl="1"/>
-            <a:endParaRPr lang="en-US" dirty="0"/>
-          </a:p>
-        </p:txBody>
-      </p:sp>
-    </p:spTree>
-    <p:extLst>
-      <p:ext uri="{BB962C8B-B14F-4D97-AF65-F5344CB8AC3E}">
-        <p14:creationId xmlns:p14="http://schemas.microsoft.com/office/powerpoint/2010/main" val="2215526215"/>
-      </p:ext>
-    </p:extLst>
-  </p:cSld>
-  <p:clrMapOvr>
-    <a:masterClrMapping/>
-  </p:clrMapOvr>
-  <p:timing>
-    <p:tnLst>
-      <p:par>
-        <p:cTn id="1" dur="indefinite" restart="never" nodeType="tmRoot"/>
-      </p:par>
-    </p:tnLst>
-  </p:timing>
-</p:sld>
-</file>
-
-<file path=ppt/slides/slide31.xml><?xml version="1.0" encoding="utf-8"?>
 <p:sld xmlns:a="http://schemas.openxmlformats.org/drawingml/2006/main" xmlns:r="http://schemas.openxmlformats.org/officeDocument/2006/relationships" xmlns:p="http://schemas.openxmlformats.org/presentationml/2006/main">
   <p:cSld>
     <p:spTree>
@@ -8637,14 +8446,14 @@
           </a:ln>
           <a:effectLst/>
           <a:extLst>
-            <a:ext uri="{909E8E84-426E-40DD-AFC4-6F175D3DCCD1}">
+            <a:ext uri="{909E8E84-426E-40dd-AFC4-6F175D3DCCD1}">
               <a14:hiddenFill xmlns:a14="http://schemas.microsoft.com/office/drawing/2010/main">
                 <a:solidFill>
                   <a:schemeClr val="accent1"/>
                 </a:solidFill>
               </a14:hiddenFill>
             </a:ext>
-            <a:ext uri="{91240B29-F687-4F45-9708-019B960494DF}">
+            <a:ext uri="{91240B29-F687-4f45-9708-019B960494DF}">
               <a14:hiddenLine xmlns:a14="http://schemas.microsoft.com/office/drawing/2010/main" w="9525">
                 <a:solidFill>
                   <a:schemeClr val="tx1"/>
@@ -8654,7 +8463,7 @@
                 <a:tailEnd/>
               </a14:hiddenLine>
             </a:ext>
-            <a:ext uri="{AF507438-7753-43E0-B8FC-AC1667EBCBE1}">
+            <a:ext uri="{AF507438-7753-43e0-B8FC-AC1667EBCBE1}">
               <a14:hiddenEffects xmlns:a14="http://schemas.microsoft.com/office/drawing/2010/main">
                 <a:effectLst>
                   <a:outerShdw dist="35921" dir="2700000" algn="ctr" rotWithShape="0">
@@ -8679,14 +8488,14 @@
   <p:timing>
     <p:tnLst>
       <p:par>
-        <p:cTn id="1" dur="indefinite" restart="never" nodeType="tmRoot"/>
+        <p:cTn xmlns:p14="http://schemas.microsoft.com/office/powerpoint/2010/main" id="1" dur="indefinite" restart="never" nodeType="tmRoot"/>
       </p:par>
     </p:tnLst>
   </p:timing>
 </p:sld>
 </file>
 
-<file path=ppt/slides/slide32.xml><?xml version="1.0" encoding="utf-8"?>
+<file path=ppt/slides/slide31.xml><?xml version="1.0" encoding="utf-8"?>
 <p:sld xmlns:a="http://schemas.openxmlformats.org/drawingml/2006/main" xmlns:r="http://schemas.openxmlformats.org/officeDocument/2006/relationships" xmlns:p="http://schemas.openxmlformats.org/presentationml/2006/main">
   <p:cSld>
     <p:spTree>
@@ -8804,14 +8613,14 @@
           </a:ln>
           <a:effectLst/>
           <a:extLst>
-            <a:ext uri="{909E8E84-426E-40DD-AFC4-6F175D3DCCD1}">
+            <a:ext uri="{909E8E84-426E-40dd-AFC4-6F175D3DCCD1}">
               <a14:hiddenFill xmlns:a14="http://schemas.microsoft.com/office/drawing/2010/main">
                 <a:solidFill>
                   <a:schemeClr val="accent1"/>
                 </a:solidFill>
               </a14:hiddenFill>
             </a:ext>
-            <a:ext uri="{91240B29-F687-4F45-9708-019B960494DF}">
+            <a:ext uri="{91240B29-F687-4f45-9708-019B960494DF}">
               <a14:hiddenLine xmlns:a14="http://schemas.microsoft.com/office/drawing/2010/main" w="9525">
                 <a:solidFill>
                   <a:schemeClr val="tx1"/>
@@ -8821,7 +8630,7 @@
                 <a:tailEnd/>
               </a14:hiddenLine>
             </a:ext>
-            <a:ext uri="{AF507438-7753-43E0-B8FC-AC1667EBCBE1}">
+            <a:ext uri="{AF507438-7753-43e0-B8FC-AC1667EBCBE1}">
               <a14:hiddenEffects xmlns:a14="http://schemas.microsoft.com/office/drawing/2010/main">
                 <a:effectLst>
                   <a:outerShdw dist="35921" dir="2700000" algn="ctr" rotWithShape="0">
@@ -8846,14 +8655,14 @@
   <p:timing>
     <p:tnLst>
       <p:par>
-        <p:cTn id="1" dur="indefinite" restart="never" nodeType="tmRoot"/>
+        <p:cTn xmlns:p14="http://schemas.microsoft.com/office/powerpoint/2010/main" id="1" dur="indefinite" restart="never" nodeType="tmRoot"/>
       </p:par>
     </p:tnLst>
   </p:timing>
 </p:sld>
 </file>
 
-<file path=ppt/slides/slide33.xml><?xml version="1.0" encoding="utf-8"?>
+<file path=ppt/slides/slide32.xml><?xml version="1.0" encoding="utf-8"?>
 <p:sld xmlns:a="http://schemas.openxmlformats.org/drawingml/2006/main" xmlns:r="http://schemas.openxmlformats.org/officeDocument/2006/relationships" xmlns:p="http://schemas.openxmlformats.org/presentationml/2006/main">
   <p:cSld>
     <p:spTree>
@@ -8950,14 +8759,14 @@
   <p:timing>
     <p:tnLst>
       <p:par>
-        <p:cTn id="1" dur="indefinite" restart="never" nodeType="tmRoot"/>
+        <p:cTn xmlns:p14="http://schemas.microsoft.com/office/powerpoint/2010/main" id="1" dur="indefinite" restart="never" nodeType="tmRoot"/>
       </p:par>
     </p:tnLst>
   </p:timing>
 </p:sld>
 </file>
 
-<file path=ppt/slides/slide34.xml><?xml version="1.0" encoding="utf-8"?>
+<file path=ppt/slides/slide33.xml><?xml version="1.0" encoding="utf-8"?>
 <p:sld xmlns:a="http://schemas.openxmlformats.org/drawingml/2006/main" xmlns:r="http://schemas.openxmlformats.org/officeDocument/2006/relationships" xmlns:p="http://schemas.openxmlformats.org/presentationml/2006/main">
   <p:cSld>
     <p:spTree>
@@ -9033,14 +8842,14 @@
             <a:noFill/>
           </a:ln>
           <a:extLst>
-            <a:ext uri="{909E8E84-426E-40DD-AFC4-6F175D3DCCD1}">
+            <a:ext uri="{909E8E84-426E-40dd-AFC4-6F175D3DCCD1}">
               <a14:hiddenFill xmlns:a14="http://schemas.microsoft.com/office/drawing/2010/main">
                 <a:solidFill>
                   <a:schemeClr val="accent1"/>
                 </a:solidFill>
               </a14:hiddenFill>
             </a:ext>
-            <a:ext uri="{91240B29-F687-4F45-9708-019B960494DF}">
+            <a:ext uri="{91240B29-F687-4f45-9708-019B960494DF}">
               <a14:hiddenLine xmlns:a14="http://schemas.microsoft.com/office/drawing/2010/main" w="9525">
                 <a:solidFill>
                   <a:schemeClr val="tx1"/>
@@ -9066,7 +8875,114 @@
   <p:timing>
     <p:tnLst>
       <p:par>
-        <p:cTn id="1" dur="indefinite" restart="never" nodeType="tmRoot"/>
+        <p:cTn xmlns:p14="http://schemas.microsoft.com/office/powerpoint/2010/main" id="1" dur="indefinite" restart="never" nodeType="tmRoot"/>
+      </p:par>
+    </p:tnLst>
+  </p:timing>
+</p:sld>
+</file>
+
+<file path=ppt/slides/slide34.xml><?xml version="1.0" encoding="utf-8"?>
+<p:sld xmlns:a="http://schemas.openxmlformats.org/drawingml/2006/main" xmlns:r="http://schemas.openxmlformats.org/officeDocument/2006/relationships" xmlns:p="http://schemas.openxmlformats.org/presentationml/2006/main">
+  <p:cSld>
+    <p:spTree>
+      <p:nvGrpSpPr>
+        <p:cNvPr id="1" name=""/>
+        <p:cNvGrpSpPr/>
+        <p:nvPr/>
+      </p:nvGrpSpPr>
+      <p:grpSpPr>
+        <a:xfrm>
+          <a:off x="0" y="0"/>
+          <a:ext cx="0" cy="0"/>
+          <a:chOff x="0" y="0"/>
+          <a:chExt cx="0" cy="0"/>
+        </a:xfrm>
+      </p:grpSpPr>
+      <p:sp>
+        <p:nvSpPr>
+          <p:cNvPr id="2" name="Title 1"/>
+          <p:cNvSpPr>
+            <a:spLocks noGrp="1"/>
+          </p:cNvSpPr>
+          <p:nvPr>
+            <p:ph type="title"/>
+          </p:nvPr>
+        </p:nvSpPr>
+        <p:spPr/>
+        <p:txBody>
+          <a:bodyPr/>
+          <a:lstStyle/>
+          <a:p>
+            <a:r>
+              <a:rPr lang="en-US" dirty="0" smtClean="0"/>
+              <a:t>Nearest Neighbor Index</a:t>
+            </a:r>
+            <a:endParaRPr lang="en-US" dirty="0"/>
+          </a:p>
+        </p:txBody>
+      </p:sp>
+      <p:sp>
+        <p:nvSpPr>
+          <p:cNvPr id="3" name="Content Placeholder 2"/>
+          <p:cNvSpPr>
+            <a:spLocks noGrp="1"/>
+          </p:cNvSpPr>
+          <p:nvPr>
+            <p:ph idx="1"/>
+          </p:nvPr>
+        </p:nvSpPr>
+        <p:spPr/>
+        <p:txBody>
+          <a:bodyPr>
+            <a:normAutofit/>
+          </a:bodyPr>
+          <a:lstStyle/>
+          <a:p>
+            <a:r>
+              <a:rPr lang="en-US" dirty="0" smtClean="0"/>
+              <a:t>Defined as the ratio of the mean distance to the nearest neighbor for all observations to the mean distance that would be expected due to chance alone</a:t>
+            </a:r>
+          </a:p>
+          <a:p>
+            <a:pPr lvl="1"/>
+            <a:r>
+              <a:rPr lang="en-US" dirty="0" smtClean="0"/>
+              <a:t>Values significantly less than 1 indicate clustering</a:t>
+            </a:r>
+            <a:endParaRPr lang="en-US" dirty="0"/>
+          </a:p>
+          <a:p>
+            <a:r>
+              <a:rPr lang="en-US" dirty="0" smtClean="0"/>
+              <a:t>But: 50 randomly distributed </a:t>
+            </a:r>
+            <a:r>
+              <a:rPr lang="en-US" i="1" dirty="0" smtClean="0"/>
+              <a:t>pairs</a:t>
+            </a:r>
+            <a:r>
+              <a:rPr lang="en-US" dirty="0" smtClean="0"/>
+              <a:t> of points would have a very low index, but no real clusters as we'd traditionally think of them</a:t>
+            </a:r>
+            <a:endParaRPr lang="en-US" dirty="0"/>
+          </a:p>
+        </p:txBody>
+      </p:sp>
+    </p:spTree>
+    <p:extLst>
+      <p:ext uri="{BB962C8B-B14F-4D97-AF65-F5344CB8AC3E}">
+        <p14:creationId xmlns:p14="http://schemas.microsoft.com/office/powerpoint/2010/main" val="3643575346"/>
+      </p:ext>
+    </p:extLst>
+  </p:cSld>
+  <p:clrMapOvr>
+    <a:masterClrMapping/>
+  </p:clrMapOvr>
+  <p:timing>
+    <p:tnLst>
+      <p:par>
+        <p:cTn xmlns:p14="http://schemas.microsoft.com/office/powerpoint/2010/main" id="1" dur="indefinite" restart="never" nodeType="tmRoot"/>
       </p:par>
     </p:tnLst>
   </p:timing>
@@ -9102,60 +9018,59 @@
         </p:nvSpPr>
         <p:spPr/>
         <p:txBody>
+          <a:bodyPr>
+            <a:normAutofit fontScale="90000"/>
+          </a:bodyPr>
+          <a:lstStyle/>
+          <a:p>
+            <a:r>
+              <a:rPr lang="en-US" dirty="0" smtClean="0"/>
+              <a:t>Other cluster detection/analysis methods	</a:t>
+            </a:r>
+            <a:endParaRPr lang="en-US" dirty="0"/>
+          </a:p>
+        </p:txBody>
+      </p:sp>
+      <p:sp>
+        <p:nvSpPr>
+          <p:cNvPr id="3" name="Content Placeholder 2"/>
+          <p:cNvSpPr>
+            <a:spLocks noGrp="1"/>
+          </p:cNvSpPr>
+          <p:nvPr>
+            <p:ph idx="1"/>
+          </p:nvPr>
+        </p:nvSpPr>
+        <p:spPr/>
+        <p:txBody>
           <a:bodyPr/>
           <a:lstStyle/>
           <a:p>
             <a:r>
               <a:rPr lang="en-US" dirty="0" smtClean="0"/>
-              <a:t>Nearest Neighbor Index</a:t>
-            </a:r>
-            <a:endParaRPr lang="en-US" dirty="0"/>
-          </a:p>
-        </p:txBody>
-      </p:sp>
-      <p:sp>
-        <p:nvSpPr>
-          <p:cNvPr id="3" name="Content Placeholder 2"/>
-          <p:cNvSpPr>
-            <a:spLocks noGrp="1"/>
-          </p:cNvSpPr>
-          <p:nvPr>
-            <p:ph idx="1"/>
-          </p:nvPr>
-        </p:nvSpPr>
-        <p:spPr/>
-        <p:txBody>
-          <a:bodyPr>
-            <a:normAutofit/>
-          </a:bodyPr>
-          <a:lstStyle/>
-          <a:p>
-            <a:r>
-              <a:rPr lang="en-US" dirty="0" smtClean="0"/>
-              <a:t>Defined as the ratio of the mean distance to the nearest neighbor for all observations to the mean distance that would be expected due to chance alone</a:t>
-            </a:r>
-          </a:p>
-          <a:p>
-            <a:pPr lvl="1"/>
-            <a:r>
-              <a:rPr lang="en-US" dirty="0" smtClean="0"/>
-              <a:t>Values significantly less than 1 indicate clustering</a:t>
-            </a:r>
-            <a:endParaRPr lang="en-US" dirty="0"/>
-          </a:p>
-          <a:p>
-            <a:r>
-              <a:rPr lang="en-US" dirty="0" smtClean="0"/>
-              <a:t>But: 50 randomly distributed </a:t>
-            </a:r>
-            <a:r>
-              <a:rPr lang="en-US" i="1" dirty="0" smtClean="0"/>
-              <a:t>pairs</a:t>
-            </a:r>
-            <a:r>
-              <a:rPr lang="en-US" dirty="0" smtClean="0"/>
-              <a:t> of points would have a very low index, but no real clusters as we'd traditionally think of them</a:t>
-            </a:r>
+              <a:t>Ripley's K function</a:t>
+            </a:r>
+          </a:p>
+          <a:p>
+            <a:r>
+              <a:rPr lang="en-US" smtClean="0"/>
+              <a:t>Kulldorff's</a:t>
+            </a:r>
+            <a:r>
+              <a:rPr lang="en-US" dirty="0" smtClean="0"/>
+              <a:t> scan statistic</a:t>
+            </a:r>
+          </a:p>
+          <a:p>
+            <a:endParaRPr lang="en-US" dirty="0" smtClean="0"/>
+          </a:p>
+          <a:p>
+            <a:r>
+              <a:rPr lang="en-US" dirty="0"/>
+              <a:t>Bayesian hierarchical modeling</a:t>
+            </a:r>
+          </a:p>
+          <a:p>
             <a:endParaRPr lang="en-US" dirty="0"/>
           </a:p>
         </p:txBody>
@@ -9163,7 +9078,7 @@
     </p:spTree>
     <p:extLst>
       <p:ext uri="{BB962C8B-B14F-4D97-AF65-F5344CB8AC3E}">
-        <p14:creationId xmlns:p14="http://schemas.microsoft.com/office/powerpoint/2010/main" val="3643575346"/>
+        <p14:creationId xmlns:p14="http://schemas.microsoft.com/office/powerpoint/2010/main" val="1508288249"/>
       </p:ext>
     </p:extLst>
   </p:cSld>
@@ -9173,7 +9088,7 @@
   <p:timing>
     <p:tnLst>
       <p:par>
-        <p:cTn id="1" dur="indefinite" restart="never" nodeType="tmRoot"/>
+        <p:cTn xmlns:p14="http://schemas.microsoft.com/office/powerpoint/2010/main" id="1" dur="indefinite" restart="never" nodeType="tmRoot"/>
       </p:par>
     </p:tnLst>
   </p:timing>
@@ -9216,7 +9131,7 @@
           <a:p>
             <a:r>
               <a:rPr lang="en-US" dirty="0" smtClean="0"/>
-              <a:t>Other cluster detection/analysis methods	</a:t>
+              <a:t>Two other important spatial techniques</a:t>
             </a:r>
             <a:endParaRPr lang="en-US" dirty="0"/>
           </a:p>
@@ -9239,37 +9154,29 @@
           <a:p>
             <a:r>
               <a:rPr lang="en-US" dirty="0" smtClean="0"/>
-              <a:t>Ripley's K function</a:t>
-            </a:r>
-          </a:p>
-          <a:p>
-            <a:r>
-              <a:rPr lang="en-US" smtClean="0"/>
-              <a:t>Kulldorff's</a:t>
-            </a:r>
-            <a:r>
-              <a:rPr lang="en-US" dirty="0" smtClean="0"/>
-              <a:t> scan statistic</a:t>
-            </a:r>
-          </a:p>
-          <a:p>
-            <a:endParaRPr lang="en-US" dirty="0" smtClean="0"/>
-          </a:p>
-          <a:p>
-            <a:r>
-              <a:rPr lang="en-US" dirty="0"/>
-              <a:t>Bayesian hierarchical modeling</a:t>
-            </a:r>
-          </a:p>
-          <a:p>
-            <a:endParaRPr lang="en-US" dirty="0"/>
+              <a:t>Estimation (actually prediction) at places you didn't observe</a:t>
+            </a:r>
+          </a:p>
+          <a:p>
+            <a:pPr lvl="1"/>
+            <a:r>
+              <a:rPr lang="en-US" dirty="0" smtClean="0"/>
+              <a:t>Land use regression</a:t>
+            </a:r>
+          </a:p>
+          <a:p>
+            <a:pPr lvl="1"/>
+            <a:r>
+              <a:rPr lang="en-US" dirty="0" smtClean="0"/>
+              <a:t>Interpolation: Kriging/Kernel density estimation</a:t>
+            </a:r>
           </a:p>
         </p:txBody>
       </p:sp>
     </p:spTree>
     <p:extLst>
       <p:ext uri="{BB962C8B-B14F-4D97-AF65-F5344CB8AC3E}">
-        <p14:creationId xmlns:p14="http://schemas.microsoft.com/office/powerpoint/2010/main" val="1508288249"/>
+        <p14:creationId xmlns:p14="http://schemas.microsoft.com/office/powerpoint/2010/main" val="3080890934"/>
       </p:ext>
     </p:extLst>
   </p:cSld>
@@ -9279,7 +9186,7 @@
   <p:timing>
     <p:tnLst>
       <p:par>
-        <p:cTn id="1" dur="indefinite" restart="never" nodeType="tmRoot"/>
+        <p:cTn xmlns:p14="http://schemas.microsoft.com/office/powerpoint/2010/main" id="1" dur="indefinite" restart="never" nodeType="tmRoot"/>
       </p:par>
     </p:tnLst>
   </p:timing>
@@ -9315,104 +9222,6 @@
         </p:nvSpPr>
         <p:spPr/>
         <p:txBody>
-          <a:bodyPr>
-            <a:normAutofit fontScale="90000"/>
-          </a:bodyPr>
-          <a:lstStyle/>
-          <a:p>
-            <a:r>
-              <a:rPr lang="en-US" dirty="0" smtClean="0"/>
-              <a:t>Two other important spatial techniques</a:t>
-            </a:r>
-            <a:endParaRPr lang="en-US" dirty="0"/>
-          </a:p>
-        </p:txBody>
-      </p:sp>
-      <p:sp>
-        <p:nvSpPr>
-          <p:cNvPr id="3" name="Content Placeholder 2"/>
-          <p:cNvSpPr>
-            <a:spLocks noGrp="1"/>
-          </p:cNvSpPr>
-          <p:nvPr>
-            <p:ph idx="1"/>
-          </p:nvPr>
-        </p:nvSpPr>
-        <p:spPr/>
-        <p:txBody>
-          <a:bodyPr/>
-          <a:lstStyle/>
-          <a:p>
-            <a:r>
-              <a:rPr lang="en-US" dirty="0" smtClean="0"/>
-              <a:t>Estimation (actually prediction) at places you didn't observe</a:t>
-            </a:r>
-          </a:p>
-          <a:p>
-            <a:pPr lvl="1"/>
-            <a:r>
-              <a:rPr lang="en-US" dirty="0" smtClean="0"/>
-              <a:t>Land use regression</a:t>
-            </a:r>
-          </a:p>
-          <a:p>
-            <a:pPr lvl="1"/>
-            <a:r>
-              <a:rPr lang="en-US" dirty="0" smtClean="0"/>
-              <a:t>Interpolation: Kriging/Kernel density estimation</a:t>
-            </a:r>
-          </a:p>
-        </p:txBody>
-      </p:sp>
-    </p:spTree>
-    <p:extLst>
-      <p:ext uri="{BB962C8B-B14F-4D97-AF65-F5344CB8AC3E}">
-        <p14:creationId xmlns:p14="http://schemas.microsoft.com/office/powerpoint/2010/main" val="3080890934"/>
-      </p:ext>
-    </p:extLst>
-  </p:cSld>
-  <p:clrMapOvr>
-    <a:masterClrMapping/>
-  </p:clrMapOvr>
-  <p:timing>
-    <p:tnLst>
-      <p:par>
-        <p:cTn id="1" dur="indefinite" restart="never" nodeType="tmRoot"/>
-      </p:par>
-    </p:tnLst>
-  </p:timing>
-</p:sld>
-</file>
-
-<file path=ppt/slides/slide38.xml><?xml version="1.0" encoding="utf-8"?>
-<p:sld xmlns:a="http://schemas.openxmlformats.org/drawingml/2006/main" xmlns:r="http://schemas.openxmlformats.org/officeDocument/2006/relationships" xmlns:p="http://schemas.openxmlformats.org/presentationml/2006/main">
-  <p:cSld>
-    <p:spTree>
-      <p:nvGrpSpPr>
-        <p:cNvPr id="1" name=""/>
-        <p:cNvGrpSpPr/>
-        <p:nvPr/>
-      </p:nvGrpSpPr>
-      <p:grpSpPr>
-        <a:xfrm>
-          <a:off x="0" y="0"/>
-          <a:ext cx="0" cy="0"/>
-          <a:chOff x="0" y="0"/>
-          <a:chExt cx="0" cy="0"/>
-        </a:xfrm>
-      </p:grpSpPr>
-      <p:sp>
-        <p:nvSpPr>
-          <p:cNvPr id="2" name="Title 1"/>
-          <p:cNvSpPr>
-            <a:spLocks noGrp="1"/>
-          </p:cNvSpPr>
-          <p:nvPr>
-            <p:ph type="title"/>
-          </p:nvPr>
-        </p:nvSpPr>
-        <p:spPr/>
-        <p:txBody>
           <a:bodyPr/>
           <a:lstStyle/>
           <a:p>
@@ -9501,14 +9310,14 @@
   <p:timing>
     <p:tnLst>
       <p:par>
-        <p:cTn id="1" dur="indefinite" restart="never" nodeType="tmRoot"/>
+        <p:cTn xmlns:p14="http://schemas.microsoft.com/office/powerpoint/2010/main" id="1" dur="indefinite" restart="never" nodeType="tmRoot"/>
       </p:par>
     </p:tnLst>
   </p:timing>
 </p:sld>
 </file>
 
-<file path=ppt/slides/slide39.xml><?xml version="1.0" encoding="utf-8"?>
+<file path=ppt/slides/slide38.xml><?xml version="1.0" encoding="utf-8"?>
 <p:sld xmlns:a="http://schemas.openxmlformats.org/drawingml/2006/main" xmlns:r="http://schemas.openxmlformats.org/officeDocument/2006/relationships" xmlns:p="http://schemas.openxmlformats.org/presentationml/2006/main">
   <p:cSld>
     <p:spTree>
@@ -9616,14 +9425,14 @@
           </a:ln>
           <a:effectLst/>
           <a:extLst>
-            <a:ext uri="{909E8E84-426E-40DD-AFC4-6F175D3DCCD1}">
+            <a:ext uri="{909E8E84-426E-40dd-AFC4-6F175D3DCCD1}">
               <a14:hiddenFill xmlns:a14="http://schemas.microsoft.com/office/drawing/2010/main">
                 <a:solidFill>
                   <a:schemeClr val="accent1"/>
                 </a:solidFill>
               </a14:hiddenFill>
             </a:ext>
-            <a:ext uri="{91240B29-F687-4F45-9708-019B960494DF}">
+            <a:ext uri="{91240B29-F687-4f45-9708-019B960494DF}">
               <a14:hiddenLine xmlns:a14="http://schemas.microsoft.com/office/drawing/2010/main" w="9525">
                 <a:solidFill>
                   <a:schemeClr val="tx1"/>
@@ -9633,7 +9442,7 @@
                 <a:tailEnd/>
               </a14:hiddenLine>
             </a:ext>
-            <a:ext uri="{AF507438-7753-43E0-B8FC-AC1667EBCBE1}">
+            <a:ext uri="{AF507438-7753-43e0-B8FC-AC1667EBCBE1}">
               <a14:hiddenEffects xmlns:a14="http://schemas.microsoft.com/office/drawing/2010/main">
                 <a:effectLst>
                   <a:outerShdw dist="35921" dir="2700000" algn="ctr" rotWithShape="0">
@@ -9724,7 +9533,164 @@
   <p:timing>
     <p:tnLst>
       <p:par>
-        <p:cTn id="1" dur="indefinite" restart="never" nodeType="tmRoot"/>
+        <p:cTn xmlns:p14="http://schemas.microsoft.com/office/powerpoint/2010/main" id="1" dur="indefinite" restart="never" nodeType="tmRoot"/>
+      </p:par>
+    </p:tnLst>
+  </p:timing>
+</p:sld>
+</file>
+
+<file path=ppt/slides/slide39.xml><?xml version="1.0" encoding="utf-8"?>
+<p:sld xmlns:a="http://schemas.openxmlformats.org/drawingml/2006/main" xmlns:r="http://schemas.openxmlformats.org/officeDocument/2006/relationships" xmlns:p="http://schemas.openxmlformats.org/presentationml/2006/main">
+  <p:cSld>
+    <p:spTree>
+      <p:nvGrpSpPr>
+        <p:cNvPr id="1" name=""/>
+        <p:cNvGrpSpPr/>
+        <p:nvPr/>
+      </p:nvGrpSpPr>
+      <p:grpSpPr>
+        <a:xfrm>
+          <a:off x="0" y="0"/>
+          <a:ext cx="0" cy="0"/>
+          <a:chOff x="0" y="0"/>
+          <a:chExt cx="0" cy="0"/>
+        </a:xfrm>
+      </p:grpSpPr>
+      <p:sp>
+        <p:nvSpPr>
+          <p:cNvPr id="2" name="Title 1"/>
+          <p:cNvSpPr>
+            <a:spLocks noGrp="1"/>
+          </p:cNvSpPr>
+          <p:nvPr>
+            <p:ph type="title"/>
+          </p:nvPr>
+        </p:nvSpPr>
+        <p:spPr/>
+        <p:txBody>
+          <a:bodyPr/>
+          <a:lstStyle/>
+          <a:p>
+            <a:r>
+              <a:rPr lang="en-US" dirty="0" err="1" smtClean="0"/>
+              <a:t>Kriging</a:t>
+            </a:r>
+            <a:endParaRPr lang="en-US" dirty="0"/>
+          </a:p>
+        </p:txBody>
+      </p:sp>
+      <p:sp>
+        <p:nvSpPr>
+          <p:cNvPr id="3" name="Content Placeholder 2"/>
+          <p:cNvSpPr>
+            <a:spLocks noGrp="1"/>
+          </p:cNvSpPr>
+          <p:nvPr>
+            <p:ph idx="1"/>
+          </p:nvPr>
+        </p:nvSpPr>
+        <p:spPr/>
+        <p:txBody>
+          <a:bodyPr>
+            <a:normAutofit fontScale="85000" lnSpcReduction="10000"/>
+          </a:bodyPr>
+          <a:lstStyle/>
+          <a:p>
+            <a:r>
+              <a:rPr lang="en-US" dirty="0" smtClean="0"/>
+              <a:t>4-step process</a:t>
+            </a:r>
+          </a:p>
+          <a:p>
+            <a:pPr marL="971550" lvl="1" indent="-514350">
+              <a:buFont typeface="+mj-lt"/>
+              <a:buAutoNum type="arabicPeriod"/>
+            </a:pPr>
+            <a:r>
+              <a:rPr lang="en-US" dirty="0" smtClean="0"/>
+              <a:t>Pick sample points</a:t>
+            </a:r>
+          </a:p>
+          <a:p>
+            <a:pPr marL="971550" lvl="1" indent="-514350">
+              <a:buFont typeface="+mj-lt"/>
+              <a:buAutoNum type="arabicPeriod"/>
+            </a:pPr>
+            <a:r>
+              <a:rPr lang="en-US" dirty="0" smtClean="0"/>
+              <a:t>Sample outcome</a:t>
+            </a:r>
+          </a:p>
+          <a:p>
+            <a:pPr marL="971550" lvl="1" indent="-514350">
+              <a:buFont typeface="+mj-lt"/>
+              <a:buAutoNum type="arabicPeriod"/>
+            </a:pPr>
+            <a:r>
+              <a:rPr lang="en-US" dirty="0" smtClean="0"/>
+              <a:t>Use spatial covariance in outcome to predict at </a:t>
+            </a:r>
+            <a:r>
+              <a:rPr lang="en-US" dirty="0" err="1" smtClean="0"/>
+              <a:t>unsampled</a:t>
+            </a:r>
+            <a:r>
+              <a:rPr lang="en-US" dirty="0" smtClean="0"/>
+              <a:t> points</a:t>
+            </a:r>
+          </a:p>
+          <a:p>
+            <a:pPr marL="971550" lvl="1" indent="-514350">
+              <a:buFont typeface="+mj-lt"/>
+              <a:buAutoNum type="arabicPeriod"/>
+            </a:pPr>
+            <a:r>
+              <a:rPr lang="en-US" dirty="0" smtClean="0"/>
+              <a:t>Draw multiple times from posterior distribution of spatial model to get 'conditional realizations' – multiple imputation-like way of including uncertainty in estimates</a:t>
+            </a:r>
+          </a:p>
+          <a:p>
+            <a:pPr marL="457200" lvl="1" indent="0">
+              <a:buNone/>
+            </a:pPr>
+            <a:endParaRPr lang="en-US" dirty="0" smtClean="0"/>
+          </a:p>
+          <a:p>
+            <a:r>
+              <a:rPr lang="en-US" dirty="0" smtClean="0"/>
+              <a:t>Universal </a:t>
+            </a:r>
+            <a:r>
+              <a:rPr lang="en-US" dirty="0" err="1" smtClean="0"/>
+              <a:t>Kriging</a:t>
+            </a:r>
+            <a:r>
+              <a:rPr lang="en-US" dirty="0" smtClean="0"/>
+              <a:t> essentially integrates LUR and </a:t>
+            </a:r>
+            <a:r>
+              <a:rPr lang="en-US" dirty="0" err="1" smtClean="0"/>
+              <a:t>Kriging</a:t>
+            </a:r>
+            <a:endParaRPr lang="en-US" dirty="0"/>
+          </a:p>
+        </p:txBody>
+      </p:sp>
+    </p:spTree>
+    <p:extLst>
+      <p:ext uri="{BB962C8B-B14F-4D97-AF65-F5344CB8AC3E}">
+        <p14:creationId xmlns:p14="http://schemas.microsoft.com/office/powerpoint/2010/main" val="2713590693"/>
+      </p:ext>
+    </p:extLst>
+  </p:cSld>
+  <p:clrMapOvr>
+    <a:masterClrMapping/>
+  </p:clrMapOvr>
+  <p:timing>
+    <p:tnLst>
+      <p:par>
+        <p:cTn xmlns:p14="http://schemas.microsoft.com/office/powerpoint/2010/main" id="1" dur="indefinite" restart="never" nodeType="tmRoot"/>
       </p:par>
     </p:tnLst>
   </p:timing>
@@ -9783,21 +9749,37 @@
         </p:nvSpPr>
         <p:spPr/>
         <p:txBody>
-          <a:bodyPr/>
-          <a:lstStyle/>
-          <a:p>
-            <a:r>
-              <a:rPr lang="en-US" dirty="0" smtClean="0"/>
-              <a:t>A lot of data, particularly 'secondary' administrative data are spatially located</a:t>
-            </a:r>
-          </a:p>
-          <a:p>
-            <a:endParaRPr lang="en-US" dirty="0" smtClean="0"/>
-          </a:p>
-          <a:p>
-            <a:r>
-              <a:rPr lang="en-US" dirty="0" smtClean="0"/>
-              <a:t>Digression: My FOIL story</a:t>
+          <a:bodyPr>
+            <a:normAutofit fontScale="92500" lnSpcReduction="10000"/>
+          </a:bodyPr>
+          <a:lstStyle/>
+          <a:p>
+            <a:r>
+              <a:rPr lang="en-US" dirty="0" smtClean="0"/>
+              <a:t>… so it turns out I found a CD in my mailbox with about 2000 Excel files, each of which has a traffic or pedestrian count</a:t>
+            </a:r>
+          </a:p>
+          <a:p>
+            <a:endParaRPr lang="en-US" dirty="0"/>
+          </a:p>
+          <a:p>
+            <a:r>
+              <a:rPr lang="en-US" dirty="0" smtClean="0"/>
+              <a:t>This has potential to be interesting data for people doing pedestrian injury work</a:t>
+            </a:r>
+          </a:p>
+          <a:p>
+            <a:pPr lvl="1"/>
+            <a:r>
+              <a:rPr lang="en-US" dirty="0" smtClean="0"/>
+              <a:t>Esp. if counts are aligned with pre-existing web cameras?</a:t>
+            </a:r>
+          </a:p>
+          <a:p>
+            <a:pPr lvl="1"/>
+            <a:r>
+              <a:rPr lang="en-US" dirty="0" smtClean="0"/>
+              <a:t>But how do I know?  I don't have money to pay for ArcGIS or geographer time</a:t>
             </a:r>
             <a:endParaRPr lang="en-US" dirty="0"/>
           </a:p>
@@ -9806,7 +9788,7 @@
     </p:spTree>
     <p:extLst>
       <p:ext uri="{BB962C8B-B14F-4D97-AF65-F5344CB8AC3E}">
-        <p14:creationId xmlns:p14="http://schemas.microsoft.com/office/powerpoint/2010/main" val="4065718700"/>
+        <p14:creationId xmlns:p14="http://schemas.microsoft.com/office/powerpoint/2010/main" val="3697174803"/>
       </p:ext>
     </p:extLst>
   </p:cSld>
@@ -9816,7 +9798,7 @@
   <p:timing>
     <p:tnLst>
       <p:par>
-        <p:cTn id="1" dur="indefinite" restart="never" nodeType="tmRoot"/>
+        <p:cTn xmlns:p14="http://schemas.microsoft.com/office/powerpoint/2010/main" id="1" dur="indefinite" restart="never" nodeType="tmRoot"/>
       </p:par>
     </p:tnLst>
   </p:timing>
@@ -9859,163 +9841,6 @@
               <a:rPr lang="en-US" dirty="0" err="1" smtClean="0"/>
               <a:t>Kriging</a:t>
             </a:r>
-            <a:endParaRPr lang="en-US" dirty="0"/>
-          </a:p>
-        </p:txBody>
-      </p:sp>
-      <p:sp>
-        <p:nvSpPr>
-          <p:cNvPr id="3" name="Content Placeholder 2"/>
-          <p:cNvSpPr>
-            <a:spLocks noGrp="1"/>
-          </p:cNvSpPr>
-          <p:nvPr>
-            <p:ph idx="1"/>
-          </p:nvPr>
-        </p:nvSpPr>
-        <p:spPr/>
-        <p:txBody>
-          <a:bodyPr>
-            <a:normAutofit fontScale="85000" lnSpcReduction="10000"/>
-          </a:bodyPr>
-          <a:lstStyle/>
-          <a:p>
-            <a:r>
-              <a:rPr lang="en-US" dirty="0" smtClean="0"/>
-              <a:t>4-step process</a:t>
-            </a:r>
-          </a:p>
-          <a:p>
-            <a:pPr marL="971550" lvl="1" indent="-514350">
-              <a:buFont typeface="+mj-lt"/>
-              <a:buAutoNum type="arabicPeriod"/>
-            </a:pPr>
-            <a:r>
-              <a:rPr lang="en-US" dirty="0" smtClean="0"/>
-              <a:t>Pick sample points</a:t>
-            </a:r>
-          </a:p>
-          <a:p>
-            <a:pPr marL="971550" lvl="1" indent="-514350">
-              <a:buFont typeface="+mj-lt"/>
-              <a:buAutoNum type="arabicPeriod"/>
-            </a:pPr>
-            <a:r>
-              <a:rPr lang="en-US" dirty="0" smtClean="0"/>
-              <a:t>Sample outcome</a:t>
-            </a:r>
-          </a:p>
-          <a:p>
-            <a:pPr marL="971550" lvl="1" indent="-514350">
-              <a:buFont typeface="+mj-lt"/>
-              <a:buAutoNum type="arabicPeriod"/>
-            </a:pPr>
-            <a:r>
-              <a:rPr lang="en-US" dirty="0" smtClean="0"/>
-              <a:t>Use spatial covariance in outcome to predict at </a:t>
-            </a:r>
-            <a:r>
-              <a:rPr lang="en-US" dirty="0" err="1" smtClean="0"/>
-              <a:t>unsampled</a:t>
-            </a:r>
-            <a:r>
-              <a:rPr lang="en-US" dirty="0" smtClean="0"/>
-              <a:t> points</a:t>
-            </a:r>
-          </a:p>
-          <a:p>
-            <a:pPr marL="971550" lvl="1" indent="-514350">
-              <a:buFont typeface="+mj-lt"/>
-              <a:buAutoNum type="arabicPeriod"/>
-            </a:pPr>
-            <a:r>
-              <a:rPr lang="en-US" dirty="0" smtClean="0"/>
-              <a:t>Draw multiple times from posterior distribution of spatial model to get 'conditional realizations' – multiple imputation-like way of including uncertainty in estimates</a:t>
-            </a:r>
-          </a:p>
-          <a:p>
-            <a:pPr marL="457200" lvl="1" indent="0">
-              <a:buNone/>
-            </a:pPr>
-            <a:endParaRPr lang="en-US" dirty="0" smtClean="0"/>
-          </a:p>
-          <a:p>
-            <a:r>
-              <a:rPr lang="en-US" dirty="0" smtClean="0"/>
-              <a:t>Universal </a:t>
-            </a:r>
-            <a:r>
-              <a:rPr lang="en-US" dirty="0" err="1" smtClean="0"/>
-              <a:t>Kriging</a:t>
-            </a:r>
-            <a:r>
-              <a:rPr lang="en-US" dirty="0" smtClean="0"/>
-              <a:t> essentially integrates LUR and </a:t>
-            </a:r>
-            <a:r>
-              <a:rPr lang="en-US" dirty="0" err="1" smtClean="0"/>
-              <a:t>Kriging</a:t>
-            </a:r>
-            <a:endParaRPr lang="en-US" dirty="0"/>
-          </a:p>
-        </p:txBody>
-      </p:sp>
-    </p:spTree>
-    <p:extLst>
-      <p:ext uri="{BB962C8B-B14F-4D97-AF65-F5344CB8AC3E}">
-        <p14:creationId xmlns:p14="http://schemas.microsoft.com/office/powerpoint/2010/main" val="2713590693"/>
-      </p:ext>
-    </p:extLst>
-  </p:cSld>
-  <p:clrMapOvr>
-    <a:masterClrMapping/>
-  </p:clrMapOvr>
-  <p:timing>
-    <p:tnLst>
-      <p:par>
-        <p:cTn id="1" dur="indefinite" restart="never" nodeType="tmRoot"/>
-      </p:par>
-    </p:tnLst>
-  </p:timing>
-</p:sld>
-</file>
-
-<file path=ppt/slides/slide41.xml><?xml version="1.0" encoding="utf-8"?>
-<p:sld xmlns:a="http://schemas.openxmlformats.org/drawingml/2006/main" xmlns:r="http://schemas.openxmlformats.org/officeDocument/2006/relationships" xmlns:p="http://schemas.openxmlformats.org/presentationml/2006/main">
-  <p:cSld>
-    <p:spTree>
-      <p:nvGrpSpPr>
-        <p:cNvPr id="1" name=""/>
-        <p:cNvGrpSpPr/>
-        <p:nvPr/>
-      </p:nvGrpSpPr>
-      <p:grpSpPr>
-        <a:xfrm>
-          <a:off x="0" y="0"/>
-          <a:ext cx="0" cy="0"/>
-          <a:chOff x="0" y="0"/>
-          <a:chExt cx="0" cy="0"/>
-        </a:xfrm>
-      </p:grpSpPr>
-      <p:sp>
-        <p:nvSpPr>
-          <p:cNvPr id="2" name="Title 1"/>
-          <p:cNvSpPr>
-            <a:spLocks noGrp="1"/>
-          </p:cNvSpPr>
-          <p:nvPr>
-            <p:ph type="title"/>
-          </p:nvPr>
-        </p:nvSpPr>
-        <p:spPr/>
-        <p:txBody>
-          <a:bodyPr/>
-          <a:lstStyle/>
-          <a:p>
-            <a:r>
-              <a:rPr lang="en-US" dirty="0" err="1" smtClean="0"/>
-              <a:t>Kriging</a:t>
-            </a:r>
             <a:r>
               <a:rPr lang="en-US" dirty="0" smtClean="0"/>
               <a:t> in R</a:t>
@@ -10172,7 +9997,7 @@
   <p:timing>
     <p:tnLst>
       <p:par>
-        <p:cTn id="1" dur="indefinite" restart="never" nodeType="tmRoot"/>
+        <p:cTn xmlns:p14="http://schemas.microsoft.com/office/powerpoint/2010/main" id="1" dur="indefinite" restart="never" nodeType="tmRoot"/>
       </p:par>
     </p:tnLst>
   </p:timing>
@@ -10180,114 +10005,6 @@
 </file>
 
 <file path=ppt/slides/slide5.xml><?xml version="1.0" encoding="utf-8"?>
-<p:sld xmlns:a="http://schemas.openxmlformats.org/drawingml/2006/main" xmlns:r="http://schemas.openxmlformats.org/officeDocument/2006/relationships" xmlns:p="http://schemas.openxmlformats.org/presentationml/2006/main">
-  <p:cSld>
-    <p:spTree>
-      <p:nvGrpSpPr>
-        <p:cNvPr id="1" name=""/>
-        <p:cNvGrpSpPr/>
-        <p:nvPr/>
-      </p:nvGrpSpPr>
-      <p:grpSpPr>
-        <a:xfrm>
-          <a:off x="0" y="0"/>
-          <a:ext cx="0" cy="0"/>
-          <a:chOff x="0" y="0"/>
-          <a:chExt cx="0" cy="0"/>
-        </a:xfrm>
-      </p:grpSpPr>
-      <p:sp>
-        <p:nvSpPr>
-          <p:cNvPr id="2" name="Title 1"/>
-          <p:cNvSpPr>
-            <a:spLocks noGrp="1"/>
-          </p:cNvSpPr>
-          <p:nvPr>
-            <p:ph type="title"/>
-          </p:nvPr>
-        </p:nvSpPr>
-        <p:spPr/>
-        <p:txBody>
-          <a:bodyPr/>
-          <a:lstStyle/>
-          <a:p>
-            <a:r>
-              <a:rPr lang="en-US" dirty="0" smtClean="0"/>
-              <a:t>Why Spatial R?</a:t>
-            </a:r>
-            <a:endParaRPr lang="en-US" dirty="0"/>
-          </a:p>
-        </p:txBody>
-      </p:sp>
-      <p:sp>
-        <p:nvSpPr>
-          <p:cNvPr id="3" name="Content Placeholder 2"/>
-          <p:cNvSpPr>
-            <a:spLocks noGrp="1"/>
-          </p:cNvSpPr>
-          <p:nvPr>
-            <p:ph idx="1"/>
-          </p:nvPr>
-        </p:nvSpPr>
-        <p:spPr/>
-        <p:txBody>
-          <a:bodyPr>
-            <a:normAutofit fontScale="92500" lnSpcReduction="10000"/>
-          </a:bodyPr>
-          <a:lstStyle/>
-          <a:p>
-            <a:r>
-              <a:rPr lang="en-US" dirty="0" smtClean="0"/>
-              <a:t>… so it turns out I found a CD in my mailbox with about 2000 Excel files, each of which has a traffic or pedestrian count</a:t>
-            </a:r>
-          </a:p>
-          <a:p>
-            <a:endParaRPr lang="en-US" dirty="0"/>
-          </a:p>
-          <a:p>
-            <a:r>
-              <a:rPr lang="en-US" dirty="0" smtClean="0"/>
-              <a:t>This has potential to be interesting data for people doing pedestrian injury work</a:t>
-            </a:r>
-          </a:p>
-          <a:p>
-            <a:pPr lvl="1"/>
-            <a:r>
-              <a:rPr lang="en-US" dirty="0" smtClean="0"/>
-              <a:t>Esp. if counts are aligned with pre-existing web cameras?</a:t>
-            </a:r>
-          </a:p>
-          <a:p>
-            <a:pPr lvl="1"/>
-            <a:r>
-              <a:rPr lang="en-US" dirty="0" smtClean="0"/>
-              <a:t>But how do I know?  I don't have money to pay for ArcGIS or geographer time</a:t>
-            </a:r>
-            <a:endParaRPr lang="en-US" dirty="0"/>
-          </a:p>
-        </p:txBody>
-      </p:sp>
-    </p:spTree>
-    <p:extLst>
-      <p:ext uri="{BB962C8B-B14F-4D97-AF65-F5344CB8AC3E}">
-        <p14:creationId xmlns:p14="http://schemas.microsoft.com/office/powerpoint/2010/main" val="3697174803"/>
-      </p:ext>
-    </p:extLst>
-  </p:cSld>
-  <p:clrMapOvr>
-    <a:masterClrMapping/>
-  </p:clrMapOvr>
-  <p:timing>
-    <p:tnLst>
-      <p:par>
-        <p:cTn id="1" dur="indefinite" restart="never" nodeType="tmRoot"/>
-      </p:par>
-    </p:tnLst>
-  </p:timing>
-</p:sld>
-</file>
-
-<file path=ppt/slides/slide6.xml><?xml version="1.0" encoding="utf-8"?>
 <p:sld xmlns:a="http://schemas.openxmlformats.org/drawingml/2006/main" xmlns:r="http://schemas.openxmlformats.org/officeDocument/2006/relationships" xmlns:p="http://schemas.openxmlformats.org/presentationml/2006/main">
   <p:cSld>
     <p:spTree>
@@ -10363,14 +10080,14 @@
             <a:noFill/>
           </a:ln>
           <a:extLst>
-            <a:ext uri="{909E8E84-426E-40DD-AFC4-6F175D3DCCD1}">
+            <a:ext uri="{909E8E84-426E-40dd-AFC4-6F175D3DCCD1}">
               <a14:hiddenFill xmlns:a14="http://schemas.microsoft.com/office/drawing/2010/main">
                 <a:solidFill>
                   <a:schemeClr val="accent1"/>
                 </a:solidFill>
               </a14:hiddenFill>
             </a:ext>
-            <a:ext uri="{91240B29-F687-4F45-9708-019B960494DF}">
+            <a:ext uri="{91240B29-F687-4f45-9708-019B960494DF}">
               <a14:hiddenLine xmlns:a14="http://schemas.microsoft.com/office/drawing/2010/main" w="9525">
                 <a:solidFill>
                   <a:schemeClr val="tx1"/>
@@ -10396,14 +10113,14 @@
   <p:timing>
     <p:tnLst>
       <p:par>
-        <p:cTn id="1" dur="indefinite" restart="never" nodeType="tmRoot"/>
+        <p:cTn xmlns:p14="http://schemas.microsoft.com/office/powerpoint/2010/main" id="1" dur="indefinite" restart="never" nodeType="tmRoot"/>
       </p:par>
     </p:tnLst>
   </p:timing>
 </p:sld>
 </file>
 
-<file path=ppt/slides/slide7.xml><?xml version="1.0" encoding="utf-8"?>
+<file path=ppt/slides/slide6.xml><?xml version="1.0" encoding="utf-8"?>
 <p:sld xmlns:a="http://schemas.openxmlformats.org/drawingml/2006/main" xmlns:r="http://schemas.openxmlformats.org/officeDocument/2006/relationships" xmlns:p="http://schemas.openxmlformats.org/presentationml/2006/main">
   <p:cSld>
     <p:spTree>
@@ -10501,14 +10218,14 @@
             <a:noFill/>
           </a:ln>
           <a:extLst>
-            <a:ext uri="{909E8E84-426E-40DD-AFC4-6F175D3DCCD1}">
+            <a:ext uri="{909E8E84-426E-40dd-AFC4-6F175D3DCCD1}">
               <a14:hiddenFill xmlns:a14="http://schemas.microsoft.com/office/drawing/2010/main">
                 <a:solidFill>
                   <a:schemeClr val="accent1"/>
                 </a:solidFill>
               </a14:hiddenFill>
             </a:ext>
-            <a:ext uri="{91240B29-F687-4F45-9708-019B960494DF}">
+            <a:ext uri="{91240B29-F687-4f45-9708-019B960494DF}">
               <a14:hiddenLine xmlns:a14="http://schemas.microsoft.com/office/drawing/2010/main" w="9525">
                 <a:solidFill>
                   <a:schemeClr val="tx1"/>
@@ -10589,14 +10306,14 @@
   <p:timing>
     <p:tnLst>
       <p:par>
-        <p:cTn id="1" dur="indefinite" restart="never" nodeType="tmRoot"/>
+        <p:cTn xmlns:p14="http://schemas.microsoft.com/office/powerpoint/2010/main" id="1" dur="indefinite" restart="never" nodeType="tmRoot"/>
       </p:par>
     </p:tnLst>
   </p:timing>
 </p:sld>
 </file>
 
-<file path=ppt/slides/slide8.xml><?xml version="1.0" encoding="utf-8"?>
+<file path=ppt/slides/slide7.xml><?xml version="1.0" encoding="utf-8"?>
 <p:sld xmlns:a="http://schemas.openxmlformats.org/drawingml/2006/main" xmlns:r="http://schemas.openxmlformats.org/officeDocument/2006/relationships" xmlns:p="http://schemas.openxmlformats.org/presentationml/2006/main">
   <p:cSld>
     <p:spTree>
@@ -10701,14 +10418,14 @@
             <a:noFill/>
           </a:ln>
           <a:extLst>
-            <a:ext uri="{909E8E84-426E-40DD-AFC4-6F175D3DCCD1}">
+            <a:ext uri="{909E8E84-426E-40dd-AFC4-6F175D3DCCD1}">
               <a14:hiddenFill xmlns:a14="http://schemas.microsoft.com/office/drawing/2010/main">
                 <a:solidFill>
                   <a:schemeClr val="accent1"/>
                 </a:solidFill>
               </a14:hiddenFill>
             </a:ext>
-            <a:ext uri="{91240B29-F687-4F45-9708-019B960494DF}">
+            <a:ext uri="{91240B29-F687-4f45-9708-019B960494DF}">
               <a14:hiddenLine xmlns:a14="http://schemas.microsoft.com/office/drawing/2010/main" w="9525">
                 <a:solidFill>
                   <a:schemeClr val="tx1"/>
@@ -10821,7 +10538,102 @@
   <p:timing>
     <p:tnLst>
       <p:par>
-        <p:cTn id="1" dur="indefinite" restart="never" nodeType="tmRoot"/>
+        <p:cTn xmlns:p14="http://schemas.microsoft.com/office/powerpoint/2010/main" id="1" dur="indefinite" restart="never" nodeType="tmRoot"/>
+      </p:par>
+    </p:tnLst>
+  </p:timing>
+</p:sld>
+</file>
+
+<file path=ppt/slides/slide8.xml><?xml version="1.0" encoding="utf-8"?>
+<p:sld xmlns:a="http://schemas.openxmlformats.org/drawingml/2006/main" xmlns:r="http://schemas.openxmlformats.org/officeDocument/2006/relationships" xmlns:p="http://schemas.openxmlformats.org/presentationml/2006/main">
+  <p:cSld>
+    <p:spTree>
+      <p:nvGrpSpPr>
+        <p:cNvPr id="1" name=""/>
+        <p:cNvGrpSpPr/>
+        <p:nvPr/>
+      </p:nvGrpSpPr>
+      <p:grpSpPr>
+        <a:xfrm>
+          <a:off x="0" y="0"/>
+          <a:ext cx="0" cy="0"/>
+          <a:chOff x="0" y="0"/>
+          <a:chExt cx="0" cy="0"/>
+        </a:xfrm>
+      </p:grpSpPr>
+      <p:sp>
+        <p:nvSpPr>
+          <p:cNvPr id="2" name="Title 1"/>
+          <p:cNvSpPr>
+            <a:spLocks noGrp="1"/>
+          </p:cNvSpPr>
+          <p:nvPr>
+            <p:ph type="title"/>
+          </p:nvPr>
+        </p:nvSpPr>
+        <p:spPr/>
+        <p:txBody>
+          <a:bodyPr/>
+          <a:lstStyle/>
+          <a:p>
+            <a:r>
+              <a:rPr lang="en-US" dirty="0" smtClean="0"/>
+              <a:t>Maps: why?</a:t>
+            </a:r>
+            <a:endParaRPr lang="en-US" dirty="0"/>
+          </a:p>
+        </p:txBody>
+      </p:sp>
+      <p:sp>
+        <p:nvSpPr>
+          <p:cNvPr id="3" name="Content Placeholder 2"/>
+          <p:cNvSpPr>
+            <a:spLocks noGrp="1"/>
+          </p:cNvSpPr>
+          <p:nvPr>
+            <p:ph idx="1"/>
+          </p:nvPr>
+        </p:nvSpPr>
+        <p:spPr>
+          <a:xfrm>
+            <a:off x="457200" y="1600201"/>
+            <a:ext cx="8358187" cy="4768149"/>
+          </a:xfrm>
+        </p:spPr>
+        <p:txBody>
+          <a:bodyPr>
+            <a:normAutofit/>
+          </a:bodyPr>
+          <a:lstStyle/>
+          <a:p>
+            <a:r>
+              <a:rPr lang="en-US" dirty="0" smtClean="0"/>
+              <a:t>Spatial analysis is often well suited to visual communication</a:t>
+            </a:r>
+          </a:p>
+          <a:p>
+            <a:r>
+              <a:rPr lang="en-US" dirty="0"/>
+              <a:t>I</a:t>
+            </a:r>
+            <a:r>
+              <a:rPr lang="en-US" dirty="0" smtClean="0"/>
+              <a:t>t’s important to remember that maps are just a kind of figure – a way of communicating some underlying relationships determined through spatial analysis</a:t>
+            </a:r>
+            <a:endParaRPr lang="en-US" dirty="0"/>
+          </a:p>
+        </p:txBody>
+      </p:sp>
+    </p:spTree>
+  </p:cSld>
+  <p:clrMapOvr>
+    <a:masterClrMapping/>
+  </p:clrMapOvr>
+  <p:timing>
+    <p:tnLst>
+      <p:par>
+        <p:cTn xmlns:p14="http://schemas.microsoft.com/office/powerpoint/2010/main" id="1" dur="indefinite" restart="never" nodeType="tmRoot"/>
       </p:par>
     </p:tnLst>
   </p:timing>
@@ -10857,61 +10669,139 @@
         </p:nvSpPr>
         <p:spPr/>
         <p:txBody>
+          <a:bodyPr>
+            <a:normAutofit fontScale="90000"/>
+          </a:bodyPr>
+          <a:lstStyle/>
+          <a:p>
+            <a:r>
+              <a:rPr lang="en-US" dirty="0" smtClean="0"/>
+              <a:t>So really: why do we use spatial analysis?</a:t>
+            </a:r>
+            <a:endParaRPr lang="en-US" dirty="0"/>
+          </a:p>
+        </p:txBody>
+      </p:sp>
+      <p:sp>
+        <p:nvSpPr>
+          <p:cNvPr id="3" name="Content Placeholder 2"/>
+          <p:cNvSpPr>
+            <a:spLocks noGrp="1"/>
+          </p:cNvSpPr>
+          <p:nvPr>
+            <p:ph idx="1"/>
+          </p:nvPr>
+        </p:nvSpPr>
+        <p:spPr/>
+        <p:txBody>
           <a:bodyPr/>
           <a:lstStyle/>
           <a:p>
             <a:r>
               <a:rPr lang="en-US" dirty="0" smtClean="0"/>
-              <a:t>Maps: why?</a:t>
-            </a:r>
+              <a:t>Surveillance</a:t>
+            </a:r>
+          </a:p>
+          <a:p>
+            <a:pPr lvl="1"/>
+            <a:r>
+              <a:rPr lang="en-US" dirty="0" smtClean="0"/>
+              <a:t>Are the spatial patterns to disease incidence?</a:t>
+            </a:r>
+          </a:p>
+          <a:p>
+            <a:r>
+              <a:rPr lang="en-US" dirty="0" smtClean="0"/>
+              <a:t>Infectious disease etiology/vector identification</a:t>
+            </a:r>
+          </a:p>
+          <a:p>
+            <a:pPr lvl="1"/>
+            <a:r>
+              <a:rPr lang="en-US" dirty="0" smtClean="0"/>
+              <a:t>Can the spatial pattern tell us something about how the disease is being transmitted?</a:t>
+            </a:r>
+          </a:p>
+          <a:p>
+            <a:r>
+              <a:rPr lang="en-US" dirty="0" smtClean="0"/>
+              <a:t>Cluster investigations</a:t>
+            </a:r>
+          </a:p>
+          <a:p>
+            <a:r>
+              <a:rPr lang="en-US" dirty="0" smtClean="0"/>
+              <a:t>Neighborhood influences</a:t>
+            </a:r>
+          </a:p>
+          <a:p>
+            <a:r>
+              <a:rPr lang="en-US" dirty="0" smtClean="0"/>
+              <a:t>etc.</a:t>
+            </a:r>
+          </a:p>
+          <a:p>
+            <a:endParaRPr lang="en-US" dirty="0" smtClean="0"/>
+          </a:p>
+          <a:p>
             <a:endParaRPr lang="en-US" dirty="0"/>
           </a:p>
         </p:txBody>
       </p:sp>
-      <p:sp>
-        <p:nvSpPr>
-          <p:cNvPr id="3" name="Content Placeholder 2"/>
-          <p:cNvSpPr>
-            <a:spLocks noGrp="1"/>
-          </p:cNvSpPr>
-          <p:nvPr>
-            <p:ph idx="1"/>
-          </p:nvPr>
-        </p:nvSpPr>
-        <p:spPr>
+      <p:pic>
+        <p:nvPicPr>
+          <p:cNvPr id="3074" name="Picture 2"/>
+          <p:cNvPicPr>
+            <a:picLocks noChangeAspect="1" noChangeArrowheads="1"/>
+          </p:cNvPicPr>
+          <p:nvPr/>
+        </p:nvPicPr>
+        <p:blipFill>
+          <a:blip r:embed="rId2">
+            <a:extLst>
+              <a:ext uri="{28A0092B-C50C-407E-A947-70E740481C1C}">
+                <a14:useLocalDpi xmlns:a14="http://schemas.microsoft.com/office/drawing/2010/main" val="0"/>
+              </a:ext>
+            </a:extLst>
+          </a:blip>
+          <a:srcRect/>
+          <a:stretch>
+            <a:fillRect/>
+          </a:stretch>
+        </p:blipFill>
+        <p:spPr bwMode="auto">
           <a:xfrm>
-            <a:off x="457200" y="1600201"/>
-            <a:ext cx="8358187" cy="4768149"/>
+            <a:off x="6248400" y="4267200"/>
+            <a:ext cx="2438400" cy="851338"/>
           </a:xfrm>
+          <a:prstGeom prst="rect">
+            <a:avLst/>
+          </a:prstGeom>
+          <a:noFill/>
+          <a:ln>
+            <a:noFill/>
+          </a:ln>
+          <a:extLst>
+            <a:ext uri="{909E8E84-426E-40dd-AFC4-6F175D3DCCD1}">
+              <a14:hiddenFill xmlns:a14="http://schemas.microsoft.com/office/drawing/2010/main">
+                <a:solidFill>
+                  <a:schemeClr val="accent1"/>
+                </a:solidFill>
+              </a14:hiddenFill>
+            </a:ext>
+            <a:ext uri="{91240B29-F687-4f45-9708-019B960494DF}">
+              <a14:hiddenLine xmlns:a14="http://schemas.microsoft.com/office/drawing/2010/main" w="9525">
+                <a:solidFill>
+                  <a:schemeClr val="tx1"/>
+                </a:solidFill>
+                <a:miter lim="800000"/>
+                <a:headEnd/>
+                <a:tailEnd/>
+              </a14:hiddenLine>
+            </a:ext>
+          </a:extLst>
         </p:spPr>
-        <p:txBody>
-          <a:bodyPr>
-            <a:normAutofit/>
-          </a:bodyPr>
-          <a:lstStyle/>
-          <a:p>
-            <a:r>
-              <a:rPr lang="en-US" dirty="0" smtClean="0"/>
-              <a:t>Spatial </a:t>
-            </a:r>
-            <a:r>
-              <a:rPr lang="en-US" dirty="0" smtClean="0"/>
-              <a:t>analysis is often well suited to visual communication</a:t>
-            </a:r>
-          </a:p>
-          <a:p>
-            <a:r>
-              <a:rPr lang="en-US" dirty="0"/>
-              <a:t>I</a:t>
-            </a:r>
-            <a:r>
-              <a:rPr lang="en-US" dirty="0" smtClean="0"/>
-              <a:t>t’s important to remember that maps are just a kind of figure – a way of communicating some underlying relationships determined through spatial analysis</a:t>
-            </a:r>
-            <a:endParaRPr lang="en-US" dirty="0"/>
-          </a:p>
-        </p:txBody>
-      </p:sp>
+      </p:pic>
     </p:spTree>
   </p:cSld>
   <p:clrMapOvr>
@@ -10920,7 +10810,7 @@
   <p:timing>
     <p:tnLst>
       <p:par>
-        <p:cTn id="1" dur="indefinite" restart="never" nodeType="tmRoot"/>
+        <p:cTn xmlns:p14="http://schemas.microsoft.com/office/powerpoint/2010/main" id="1" dur="indefinite" restart="never" nodeType="tmRoot"/>
       </p:par>
     </p:tnLst>
   </p:timing>

--- a/RWorkshopBonus-MapsAndSpatialAnalysis.pptx
+++ b/RWorkshopBonus-MapsAndSpatialAnalysis.pptx
@@ -3728,7 +3728,6 @@
               <a:rPr lang="en-US" dirty="0"/>
               <a:t>SER 2018</a:t>
             </a:r>
-            <a:endParaRPr lang="en-US" dirty="0"/>
           </a:p>
         </p:txBody>
       </p:sp>
@@ -3788,6 +3787,114 @@
           <a:xfrm>
             <a:off x="7239000" y="5181600"/>
             <a:ext cx="1554351" cy="1034350"/>
+          </a:xfrm>
+          <a:prstGeom prst="rect">
+            <a:avLst/>
+          </a:prstGeom>
+          <a:noFill/>
+          <a:ln>
+            <a:noFill/>
+          </a:ln>
+          <a:extLst>
+            <a:ext uri="{909E8E84-426E-40dd-AFC4-6F175D3DCCD1}">
+              <a14:hiddenFill xmlns:a14="http://schemas.microsoft.com/office/drawing/2010/main">
+                <a:solidFill>
+                  <a:schemeClr val="accent1"/>
+                </a:solidFill>
+              </a14:hiddenFill>
+            </a:ext>
+            <a:ext uri="{91240B29-F687-4f45-9708-019B960494DF}">
+              <a14:hiddenLine xmlns:a14="http://schemas.microsoft.com/office/drawing/2010/main" w="9525">
+                <a:solidFill>
+                  <a:schemeClr val="tx1"/>
+                </a:solidFill>
+                <a:miter lim="800000"/>
+                <a:headEnd/>
+                <a:tailEnd/>
+              </a14:hiddenLine>
+            </a:ext>
+          </a:extLst>
+        </p:spPr>
+      </p:pic>
+      <p:pic>
+        <p:nvPicPr>
+          <p:cNvPr id="7" name="Picture 5"/>
+          <p:cNvPicPr>
+            <a:picLocks noChangeAspect="1" noChangeArrowheads="1"/>
+          </p:cNvPicPr>
+          <p:nvPr/>
+        </p:nvPicPr>
+        <p:blipFill>
+          <a:blip r:embed="rId3">
+            <a:extLst>
+              <a:ext uri="{28A0092B-C50C-407E-A947-70E740481C1C}">
+                <a14:useLocalDpi xmlns:a14="http://schemas.microsoft.com/office/drawing/2010/main" val="0"/>
+              </a:ext>
+            </a:extLst>
+          </a:blip>
+          <a:srcRect/>
+          <a:stretch>
+            <a:fillRect/>
+          </a:stretch>
+        </p:blipFill>
+        <p:spPr bwMode="auto">
+          <a:xfrm>
+            <a:off x="6096000" y="228599"/>
+            <a:ext cx="2781300" cy="1057275"/>
+          </a:xfrm>
+          <a:prstGeom prst="rect">
+            <a:avLst/>
+          </a:prstGeom>
+          <a:noFill/>
+          <a:ln>
+            <a:noFill/>
+          </a:ln>
+          <a:extLst>
+            <a:ext uri="{909E8E84-426E-40dd-AFC4-6F175D3DCCD1}">
+              <a14:hiddenFill xmlns:a14="http://schemas.microsoft.com/office/drawing/2010/main">
+                <a:solidFill>
+                  <a:schemeClr val="accent1"/>
+                </a:solidFill>
+              </a14:hiddenFill>
+            </a:ext>
+            <a:ext uri="{91240B29-F687-4f45-9708-019B960494DF}">
+              <a14:hiddenLine xmlns:a14="http://schemas.microsoft.com/office/drawing/2010/main" w="9525">
+                <a:solidFill>
+                  <a:schemeClr val="tx1"/>
+                </a:solidFill>
+                <a:miter lim="800000"/>
+                <a:headEnd/>
+                <a:tailEnd/>
+              </a14:hiddenLine>
+            </a:ext>
+          </a:extLst>
+        </p:spPr>
+      </p:pic>
+      <p:pic>
+        <p:nvPicPr>
+          <p:cNvPr id="8" name="Picture 2"/>
+          <p:cNvPicPr>
+            <a:picLocks noChangeAspect="1" noChangeArrowheads="1"/>
+          </p:cNvPicPr>
+          <p:nvPr/>
+        </p:nvPicPr>
+        <p:blipFill>
+          <a:blip r:embed="rId4">
+            <a:extLst>
+              <a:ext uri="{28A0092B-C50C-407E-A947-70E740481C1C}">
+                <a14:useLocalDpi xmlns:a14="http://schemas.microsoft.com/office/drawing/2010/main" val="0"/>
+              </a:ext>
+            </a:extLst>
+          </a:blip>
+          <a:srcRect/>
+          <a:stretch>
+            <a:fillRect/>
+          </a:stretch>
+        </p:blipFill>
+        <p:spPr bwMode="auto">
+          <a:xfrm>
+            <a:off x="522321" y="397477"/>
+            <a:ext cx="2066925" cy="752475"/>
           </a:xfrm>
           <a:prstGeom prst="rect">
             <a:avLst/>
@@ -7165,15 +7272,7 @@
           <a:p>
             <a:r>
               <a:rPr lang="en-US" dirty="0" smtClean="0"/>
-              <a:t>Remember: you can get a PhD in geography.  Though we who </a:t>
-            </a:r>
-            <a:r>
-              <a:rPr lang="en-US" dirty="0" smtClean="0"/>
-              <a:t>have or are </a:t>
-            </a:r>
-            <a:r>
-              <a:rPr lang="en-US" dirty="0" smtClean="0"/>
-              <a:t>getting PhDs in epidemiology probably won’t.</a:t>
+              <a:t>Remember: you can get a PhD in geography.  Though we who have or are getting PhDs in epidemiology probably won’t.</a:t>
             </a:r>
             <a:endParaRPr lang="en-US" dirty="0"/>
           </a:p>
@@ -7579,13 +7678,8 @@
             </a:r>
             <a:r>
               <a:rPr lang="en-US" dirty="0" smtClean="0"/>
-              <a:t> </a:t>
-            </a:r>
-            <a:r>
-              <a:rPr lang="en-US" dirty="0" smtClean="0"/>
-              <a:t>St in New York.</a:t>
-            </a:r>
-            <a:endParaRPr lang="en-US" dirty="0" smtClean="0"/>
+              <a:t> St in New York.</a:t>
+            </a:r>
           </a:p>
           <a:p>
             <a:endParaRPr lang="en-US" dirty="0"/>
